--- a/Task 3/GROUP_22.pptx
+++ b/Task 3/GROUP_22.pptx
@@ -5,7 +5,7 @@
     <p:sldMasterId id="2147483648" r:id="rId1"/>
   </p:sldMasterIdLst>
   <p:notesMasterIdLst>
-    <p:notesMasterId r:id="rId18"/>
+    <p:notesMasterId r:id="rId27"/>
   </p:notesMasterIdLst>
   <p:sldIdLst>
     <p:sldId id="256" r:id="rId2"/>
@@ -13,17 +13,26 @@
     <p:sldId id="289" r:id="rId4"/>
     <p:sldId id="287" r:id="rId5"/>
     <p:sldId id="288" r:id="rId6"/>
-    <p:sldId id="286" r:id="rId7"/>
-    <p:sldId id="279" r:id="rId8"/>
-    <p:sldId id="280" r:id="rId9"/>
-    <p:sldId id="281" r:id="rId10"/>
-    <p:sldId id="277" r:id="rId11"/>
-    <p:sldId id="276" r:id="rId12"/>
-    <p:sldId id="278" r:id="rId13"/>
-    <p:sldId id="285" r:id="rId14"/>
-    <p:sldId id="284" r:id="rId15"/>
-    <p:sldId id="283" r:id="rId16"/>
-    <p:sldId id="275" r:id="rId17"/>
+    <p:sldId id="290" r:id="rId7"/>
+    <p:sldId id="291" r:id="rId8"/>
+    <p:sldId id="286" r:id="rId9"/>
+    <p:sldId id="279" r:id="rId10"/>
+    <p:sldId id="280" r:id="rId11"/>
+    <p:sldId id="281" r:id="rId12"/>
+    <p:sldId id="277" r:id="rId13"/>
+    <p:sldId id="276" r:id="rId14"/>
+    <p:sldId id="278" r:id="rId15"/>
+    <p:sldId id="292" r:id="rId16"/>
+    <p:sldId id="293" r:id="rId17"/>
+    <p:sldId id="294" r:id="rId18"/>
+    <p:sldId id="295" r:id="rId19"/>
+    <p:sldId id="296" r:id="rId20"/>
+    <p:sldId id="297" r:id="rId21"/>
+    <p:sldId id="298" r:id="rId22"/>
+    <p:sldId id="285" r:id="rId23"/>
+    <p:sldId id="284" r:id="rId24"/>
+    <p:sldId id="283" r:id="rId25"/>
+    <p:sldId id="275" r:id="rId26"/>
   </p:sldIdLst>
   <p:sldSz cx="9144000" cy="6858000" type="screen4x3"/>
   <p:notesSz cx="6858000" cy="9144000"/>
@@ -124,7 +133,7 @@
   </p:defaultTextStyle>
   <p:extLst>
     <p:ext uri="{EFAFB233-063F-42B5-8137-9DF3F51BA10A}">
-      <p15:sldGuideLst xmlns:ahyp="http://schemas.microsoft.com/office/drawing/2018/hyperlinkcolor" xmlns:p15="http://schemas.microsoft.com/office/powerpoint/2012/main" xmlns:p14="http://schemas.microsoft.com/office/powerpoint/2010/main" xmlns:com="http://schemas.openxmlformats.org/drawingml/2006/compatibility" xmlns:pvml="urn:schemas-microsoft-com:office:powerpoint" xmlns:v="urn:schemas-microsoft-com:vml" xmlns:o="urn:schemas-microsoft-com:office:office" xmlns:dgm="http://schemas.openxmlformats.org/drawingml/2006/diagram" xmlns:c="http://schemas.openxmlformats.org/drawingml/2006/chart" xmlns:mv="urn:schemas-microsoft-com:mac:vml" xmlns:mc="http://schemas.openxmlformats.org/markup-compatibility/2006" xmlns="">
+      <p15:sldGuideLst xmlns:p15="http://schemas.microsoft.com/office/powerpoint/2012/main">
         <p15:guide id="1" orient="horz" pos="2160">
           <p15:clr>
             <a:srgbClr val="A4A3A4"/>
@@ -4167,12 +4176,14 @@
         </p:nvSpPr>
         <p:spPr>
           <a:xfrm>
-            <a:off x="533400" y="1981200"/>
-            <a:ext cx="8229600" cy="2849563"/>
-          </a:xfrm>
-        </p:spPr>
-        <p:txBody>
-          <a:bodyPr/>
+            <a:off x="457200" y="434788"/>
+            <a:ext cx="8229600" cy="1918447"/>
+          </a:xfrm>
+        </p:spPr>
+        <p:txBody>
+          <a:bodyPr>
+            <a:normAutofit fontScale="92500" lnSpcReduction="10000"/>
+          </a:bodyPr>
           <a:lstStyle/>
           <a:p>
             <a:pPr marL="0" indent="0" algn="ctr">
@@ -4180,13 +4191,8 @@
             </a:pPr>
             <a:r>
               <a:rPr lang="en-US" sz="4800" dirty="0"/>
-              <a:t>REQUIREMENTS </a:t>
-            </a:r>
-            <a:r>
-              <a:rPr lang="en-US" sz="4800" dirty="0" smtClean="0"/>
-              <a:t>ANALYSIS</a:t>
-            </a:r>
-            <a:endParaRPr lang="en-US" sz="4800" dirty="0"/>
+              <a:t>REQUIREMENTS ANALYSIS</a:t>
+            </a:r>
           </a:p>
           <a:p>
             <a:pPr marL="0" indent="0" algn="ctr">
@@ -4211,6 +4217,36 @@
           </a:p>
         </p:txBody>
       </p:sp>
+      <p:pic>
+        <p:nvPicPr>
+          <p:cNvPr id="7" name="Picture 6">
+            <a:extLst>
+              <a:ext uri="{FF2B5EF4-FFF2-40B4-BE49-F238E27FC236}">
+                <a16:creationId xmlns:a16="http://schemas.microsoft.com/office/drawing/2014/main" id="{C9967956-BCCB-1365-C579-A4E78EF315C8}"/>
+              </a:ext>
+            </a:extLst>
+          </p:cNvPr>
+          <p:cNvPicPr>
+            <a:picLocks noChangeAspect="1"/>
+          </p:cNvPicPr>
+          <p:nvPr/>
+        </p:nvPicPr>
+        <p:blipFill>
+          <a:blip r:embed="rId2"/>
+          <a:stretch>
+            <a:fillRect/>
+          </a:stretch>
+        </p:blipFill>
+        <p:spPr>
+          <a:xfrm>
+            <a:off x="457199" y="2595282"/>
+            <a:ext cx="8229600" cy="3827930"/>
+          </a:xfrm>
+          <a:prstGeom prst="rect">
+            <a:avLst/>
+          </a:prstGeom>
+        </p:spPr>
+      </p:pic>
     </p:spTree>
     <p:extLst>
       <p:ext uri="{BB962C8B-B14F-4D97-AF65-F5344CB8AC3E}">
@@ -4253,14 +4289,15 @@
         </p:nvSpPr>
         <p:spPr/>
         <p:txBody>
-          <a:bodyPr/>
-          <a:lstStyle/>
-          <a:p>
-            <a:r>
-              <a:rPr lang="en-US" dirty="0" smtClean="0"/>
-              <a:t>FUNCTIONAL REQUIREMENTS</a:t>
-            </a:r>
-            <a:endParaRPr lang="en-US" dirty="0"/>
+          <a:bodyPr>
+            <a:normAutofit/>
+          </a:bodyPr>
+          <a:lstStyle/>
+          <a:p>
+            <a:r>
+              <a:rPr lang="en-US" dirty="0"/>
+              <a:t>Example of Performing SMART Analysis</a:t>
+            </a:r>
           </a:p>
         </p:txBody>
       </p:sp>
@@ -4277,145 +4314,153 @@
         <p:spPr/>
         <p:txBody>
           <a:bodyPr>
-            <a:noAutofit/>
+            <a:normAutofit/>
           </a:bodyPr>
           <a:lstStyle/>
           <a:p>
-            <a:pPr marL="731520" lvl="1" indent="-457200">
+            <a:pPr marL="0" lvl="0" indent="0">
+              <a:buNone/>
+            </a:pPr>
+            <a:endParaRPr lang="en-US" b="1" dirty="0">
+              <a:solidFill>
+                <a:schemeClr val="tx2"/>
+              </a:solidFill>
+            </a:endParaRPr>
+          </a:p>
+          <a:p>
+            <a:pPr marL="0" lvl="0" indent="0">
+              <a:buNone/>
+            </a:pPr>
+            <a:r>
+              <a:rPr lang="en-US" b="1" dirty="0">
+                <a:solidFill>
+                  <a:schemeClr val="tx2"/>
+                </a:solidFill>
+              </a:rPr>
+              <a:t>Request Help:</a:t>
+            </a:r>
+            <a:endParaRPr lang="en-US" dirty="0">
+              <a:solidFill>
+                <a:schemeClr val="tx2"/>
+              </a:solidFill>
+            </a:endParaRPr>
+          </a:p>
+          <a:p>
+            <a:pPr marL="514350" indent="-514350">
               <a:buFont typeface="+mj-lt"/>
               <a:buAutoNum type="arabicPeriod"/>
             </a:pPr>
             <a:r>
-              <a:rPr lang="en-US" sz="2600" dirty="0"/>
-              <a:t>User Registration and </a:t>
-            </a:r>
-            <a:r>
-              <a:rPr lang="en-US" sz="2600" dirty="0" smtClean="0"/>
-              <a:t>Authentication</a:t>
-            </a:r>
-            <a:endParaRPr lang="en-US" sz="2600" dirty="0"/>
-          </a:p>
-          <a:p>
-            <a:pPr marL="731520" lvl="1" indent="-457200">
+              <a:rPr lang="en-US" b="1" dirty="0">
+                <a:solidFill>
+                  <a:schemeClr val="tx2"/>
+                </a:solidFill>
+              </a:rPr>
+              <a:t>Specific</a:t>
+            </a:r>
+            <a:r>
+              <a:rPr lang="en-US" dirty="0">
+                <a:solidFill>
+                  <a:schemeClr val="tx2"/>
+                </a:solidFill>
+              </a:rPr>
+              <a:t>:  Allow users to request assistance.</a:t>
+            </a:r>
+          </a:p>
+          <a:p>
+            <a:pPr marL="514350" indent="-514350">
               <a:buFont typeface="+mj-lt"/>
               <a:buAutoNum type="arabicPeriod"/>
             </a:pPr>
             <a:r>
-              <a:rPr lang="en-US" sz="2600" dirty="0" smtClean="0"/>
-              <a:t>Real-Time Alerts and Notifications</a:t>
-            </a:r>
-            <a:endParaRPr lang="en-US" sz="2600" dirty="0"/>
-          </a:p>
-          <a:p>
-            <a:pPr marL="731520" lvl="1" indent="-457200">
+              <a:rPr lang="en-US" b="1" dirty="0">
+                <a:solidFill>
+                  <a:schemeClr val="tx2"/>
+                </a:solidFill>
+              </a:rPr>
+              <a:t>Measurable</a:t>
+            </a:r>
+            <a:r>
+              <a:rPr lang="en-US" dirty="0">
+                <a:solidFill>
+                  <a:schemeClr val="tx2"/>
+                </a:solidFill>
+              </a:rPr>
+              <a:t>: Track help requests.</a:t>
+            </a:r>
+          </a:p>
+          <a:p>
+            <a:pPr marL="514350" indent="-514350">
               <a:buFont typeface="+mj-lt"/>
               <a:buAutoNum type="arabicPeriod"/>
             </a:pPr>
             <a:r>
-              <a:rPr lang="en-US" sz="2600" dirty="0" smtClean="0"/>
-              <a:t>Incident Reporting</a:t>
-            </a:r>
-            <a:endParaRPr lang="en-US" sz="2600" dirty="0"/>
-          </a:p>
-          <a:p>
-            <a:pPr marL="731520" lvl="1" indent="-457200">
+              <a:rPr lang="en-US" b="1" dirty="0">
+                <a:solidFill>
+                  <a:schemeClr val="tx2"/>
+                </a:solidFill>
+              </a:rPr>
+              <a:t>Achievable</a:t>
+            </a:r>
+            <a:r>
+              <a:rPr lang="en-US" dirty="0">
+                <a:solidFill>
+                  <a:schemeClr val="tx2"/>
+                </a:solidFill>
+              </a:rPr>
+              <a:t>: Implement a help button or chat feature.</a:t>
+            </a:r>
+          </a:p>
+          <a:p>
+            <a:pPr marL="514350" indent="-514350">
               <a:buFont typeface="+mj-lt"/>
               <a:buAutoNum type="arabicPeriod"/>
             </a:pPr>
             <a:r>
-              <a:rPr lang="en-US" sz="2600" dirty="0" smtClean="0"/>
-              <a:t>Emergency </a:t>
-            </a:r>
-            <a:r>
-              <a:rPr lang="en-US" sz="2600" dirty="0"/>
-              <a:t>Resource </a:t>
-            </a:r>
-            <a:r>
-              <a:rPr lang="en-US" sz="2600" dirty="0" smtClean="0"/>
-              <a:t>Access</a:t>
-            </a:r>
-          </a:p>
-          <a:p>
-            <a:pPr marL="731520" lvl="1" indent="-457200">
+              <a:rPr lang="en-US" b="1" dirty="0">
+                <a:solidFill>
+                  <a:schemeClr val="tx2"/>
+                </a:solidFill>
+              </a:rPr>
+              <a:t>Relevant</a:t>
+            </a:r>
+            <a:r>
+              <a:rPr lang="en-US" dirty="0">
+                <a:solidFill>
+                  <a:schemeClr val="tx2"/>
+                </a:solidFill>
+              </a:rPr>
+              <a:t>: Essential for user safety and resource allocation.</a:t>
+            </a:r>
+          </a:p>
+          <a:p>
+            <a:pPr marL="514350" indent="-514350">
               <a:buFont typeface="+mj-lt"/>
               <a:buAutoNum type="arabicPeriod"/>
             </a:pPr>
             <a:r>
-              <a:rPr lang="en-US" sz="2600" dirty="0"/>
-              <a:t>Community Engagement </a:t>
-            </a:r>
-            <a:r>
-              <a:rPr lang="en-US" sz="2600" dirty="0" smtClean="0"/>
-              <a:t>Features &amp; Communication </a:t>
-            </a:r>
-            <a:r>
-              <a:rPr lang="en-US" sz="2600" dirty="0"/>
-              <a:t>with </a:t>
-            </a:r>
-            <a:r>
-              <a:rPr lang="en-US" sz="2600" dirty="0" smtClean="0"/>
-              <a:t>Authorities</a:t>
-            </a:r>
-            <a:endParaRPr lang="en-US" sz="2600" dirty="0"/>
-          </a:p>
-          <a:p>
-            <a:pPr marL="731520" lvl="1" indent="-457200">
-              <a:buFont typeface="+mj-lt"/>
-              <a:buAutoNum type="arabicPeriod"/>
-            </a:pPr>
-            <a:r>
-              <a:rPr lang="en-US" sz="2600" dirty="0"/>
-              <a:t>Geospatial Data </a:t>
-            </a:r>
-            <a:r>
-              <a:rPr lang="en-US" sz="2600" dirty="0" smtClean="0"/>
-              <a:t>Integration and Mapping Services</a:t>
-            </a:r>
-            <a:endParaRPr lang="en-US" sz="2600" dirty="0"/>
-          </a:p>
-          <a:p>
-            <a:pPr marL="731520" lvl="1" indent="-457200">
-              <a:buFont typeface="+mj-lt"/>
-              <a:buAutoNum type="arabicPeriod"/>
-            </a:pPr>
-            <a:r>
-              <a:rPr lang="en-US" sz="2600" dirty="0" smtClean="0"/>
-              <a:t>Request Help</a:t>
-            </a:r>
-            <a:endParaRPr lang="en-US" sz="2600" dirty="0"/>
-          </a:p>
-          <a:p>
-            <a:pPr marL="731520" lvl="1" indent="-457200">
-              <a:buFont typeface="+mj-lt"/>
-              <a:buAutoNum type="arabicPeriod"/>
-            </a:pPr>
-            <a:r>
-              <a:rPr lang="en-US" sz="2600" dirty="0" smtClean="0"/>
-              <a:t>Offline Functionality</a:t>
-            </a:r>
-            <a:endParaRPr lang="en-US" sz="2600" dirty="0"/>
-          </a:p>
-          <a:p>
-            <a:pPr marL="731520" lvl="1" indent="-457200">
-              <a:buFont typeface="+mj-lt"/>
-              <a:buAutoNum type="arabicPeriod"/>
-            </a:pPr>
-            <a:r>
-              <a:rPr lang="en-US" sz="2600" dirty="0"/>
-              <a:t>Multilingual </a:t>
-            </a:r>
-            <a:r>
-              <a:rPr lang="en-US" sz="2600" dirty="0" smtClean="0"/>
-              <a:t>Support</a:t>
-            </a:r>
-            <a:endParaRPr lang="en-US" sz="2600" dirty="0"/>
+              <a:rPr lang="en-US" b="1" dirty="0">
+                <a:solidFill>
+                  <a:schemeClr val="tx2"/>
+                </a:solidFill>
+              </a:rPr>
+              <a:t>Time-Bound</a:t>
+            </a:r>
+            <a:r>
+              <a:rPr lang="en-US" dirty="0">
+                <a:solidFill>
+                  <a:schemeClr val="tx2"/>
+                </a:solidFill>
+              </a:rPr>
+              <a:t>:  Available in the before deployment.</a:t>
+            </a:r>
           </a:p>
         </p:txBody>
       </p:sp>
     </p:spTree>
     <p:extLst>
       <p:ext uri="{BB962C8B-B14F-4D97-AF65-F5344CB8AC3E}">
-        <p14:creationId xmlns:p14="http://schemas.microsoft.com/office/powerpoint/2010/main" val="3876199562"/>
+        <p14:creationId xmlns:p14="http://schemas.microsoft.com/office/powerpoint/2010/main" val="2364136573"/>
       </p:ext>
     </p:extLst>
   </p:cSld>
@@ -4454,154 +4499,112 @@
         </p:nvSpPr>
         <p:spPr/>
         <p:txBody>
+          <a:bodyPr>
+            <a:normAutofit/>
+          </a:bodyPr>
+          <a:lstStyle/>
+          <a:p>
+            <a:pPr lvl="0"/>
+            <a:r>
+              <a:rPr lang="en-US" dirty="0">
+                <a:solidFill>
+                  <a:schemeClr val="tx1"/>
+                </a:solidFill>
+              </a:rPr>
+              <a:t>3. CATEGORIZING REQUIREMENTS</a:t>
+            </a:r>
+          </a:p>
+        </p:txBody>
+      </p:sp>
+      <p:sp>
+        <p:nvSpPr>
+          <p:cNvPr id="3" name="Content Placeholder 2"/>
+          <p:cNvSpPr>
+            <a:spLocks noGrp="1"/>
+          </p:cNvSpPr>
+          <p:nvPr>
+            <p:ph sz="quarter" idx="1"/>
+          </p:nvPr>
+        </p:nvSpPr>
+        <p:spPr/>
+        <p:txBody>
           <a:bodyPr/>
           <a:lstStyle/>
           <a:p>
-            <a:r>
-              <a:rPr lang="en-US" dirty="0" smtClean="0"/>
-              <a:t>NON-FUNCTIONAL REQUIREMENTS</a:t>
-            </a:r>
-            <a:endParaRPr lang="en-US" dirty="0"/>
-          </a:p>
-        </p:txBody>
-      </p:sp>
-      <p:sp>
-        <p:nvSpPr>
-          <p:cNvPr id="3" name="Content Placeholder 2"/>
-          <p:cNvSpPr>
-            <a:spLocks noGrp="1"/>
-          </p:cNvSpPr>
-          <p:nvPr>
-            <p:ph sz="quarter" idx="1"/>
-          </p:nvPr>
-        </p:nvSpPr>
-        <p:spPr/>
-        <p:txBody>
-          <a:bodyPr/>
-          <a:lstStyle/>
-          <a:p>
-            <a:pPr marL="514350" indent="-514350">
-              <a:buFont typeface="+mj-lt"/>
-              <a:buAutoNum type="arabicPeriod"/>
+            <a:pPr marL="0" indent="0">
+              <a:buNone/>
             </a:pPr>
             <a:r>
-              <a:rPr lang="en-US" dirty="0">
+              <a:rPr lang="en-US" sz="2400" dirty="0">
                 <a:solidFill>
                   <a:schemeClr val="tx2"/>
                 </a:solidFill>
               </a:rPr>
-              <a:t>Usability</a:t>
-            </a:r>
-          </a:p>
-          <a:p>
-            <a:pPr marL="514350" indent="-514350">
-              <a:buFont typeface="+mj-lt"/>
-              <a:buAutoNum type="arabicPeriod"/>
-            </a:pPr>
-            <a:r>
-              <a:rPr lang="en-US" dirty="0">
+              <a:t>After gathering our various requirements, we classified them into functional and non-functional requirements.</a:t>
+            </a:r>
+            <a:br>
+              <a:rPr lang="en-US" dirty="0"/>
+            </a:br>
+            <a:endParaRPr lang="en-US" dirty="0"/>
+          </a:p>
+        </p:txBody>
+      </p:sp>
+      <p:pic>
+        <p:nvPicPr>
+          <p:cNvPr id="1026" name="Picture 2"/>
+          <p:cNvPicPr>
+            <a:picLocks noChangeAspect="1" noChangeArrowheads="1"/>
+          </p:cNvPicPr>
+          <p:nvPr/>
+        </p:nvPicPr>
+        <p:blipFill rotWithShape="1">
+          <a:blip r:embed="rId2">
+            <a:extLst>
+              <a:ext uri="{28A0092B-C50C-407E-A947-70E740481C1C}">
+                <a14:useLocalDpi xmlns:a14="http://schemas.microsoft.com/office/drawing/2010/main" val="0"/>
+              </a:ext>
+            </a:extLst>
+          </a:blip>
+          <a:srcRect t="2522" r="887" b="1468"/>
+          <a:stretch/>
+        </p:blipFill>
+        <p:spPr bwMode="auto">
+          <a:xfrm>
+            <a:off x="861647" y="2400301"/>
+            <a:ext cx="7337473" cy="3680460"/>
+          </a:xfrm>
+          <a:prstGeom prst="rect">
+            <a:avLst/>
+          </a:prstGeom>
+          <a:noFill/>
+          <a:ln>
+            <a:noFill/>
+          </a:ln>
+          <a:extLst>
+            <a:ext uri="{909E8E84-426E-40DD-AFC4-6F175D3DCCD1}">
+              <a14:hiddenFill xmlns:a14="http://schemas.microsoft.com/office/drawing/2010/main">
                 <a:solidFill>
-                  <a:schemeClr val="tx2"/>
+                  <a:schemeClr val="accent1"/>
                 </a:solidFill>
-              </a:rPr>
-              <a:t>Performance</a:t>
-            </a:r>
-          </a:p>
-          <a:p>
-            <a:pPr marL="514350" indent="-514350">
-              <a:buFont typeface="+mj-lt"/>
-              <a:buAutoNum type="arabicPeriod"/>
-            </a:pPr>
-            <a:r>
-              <a:rPr lang="en-US" dirty="0">
+              </a14:hiddenFill>
+            </a:ext>
+            <a:ext uri="{91240B29-F687-4F45-9708-019B960494DF}">
+              <a14:hiddenLine xmlns:a14="http://schemas.microsoft.com/office/drawing/2010/main" w="9525">
                 <a:solidFill>
-                  <a:schemeClr val="tx2"/>
+                  <a:schemeClr val="tx1"/>
                 </a:solidFill>
-              </a:rPr>
-              <a:t>Security</a:t>
-            </a:r>
-          </a:p>
-          <a:p>
-            <a:pPr marL="514350" indent="-514350">
-              <a:buFont typeface="+mj-lt"/>
-              <a:buAutoNum type="arabicPeriod"/>
-            </a:pPr>
-            <a:r>
-              <a:rPr lang="en-US" dirty="0">
-                <a:solidFill>
-                  <a:schemeClr val="tx2"/>
-                </a:solidFill>
-              </a:rPr>
-              <a:t>Reliability</a:t>
-            </a:r>
-          </a:p>
-          <a:p>
-            <a:pPr marL="514350" indent="-514350">
-              <a:buFont typeface="+mj-lt"/>
-              <a:buAutoNum type="arabicPeriod"/>
-            </a:pPr>
-            <a:r>
-              <a:rPr lang="en-US" dirty="0">
-                <a:solidFill>
-                  <a:schemeClr val="tx2"/>
-                </a:solidFill>
-              </a:rPr>
-              <a:t>Scalability</a:t>
-            </a:r>
-          </a:p>
-          <a:p>
-            <a:pPr marL="514350" indent="-514350">
-              <a:buFont typeface="+mj-lt"/>
-              <a:buAutoNum type="arabicPeriod"/>
-            </a:pPr>
-            <a:r>
-              <a:rPr lang="en-US" dirty="0">
-                <a:solidFill>
-                  <a:schemeClr val="tx2"/>
-                </a:solidFill>
-              </a:rPr>
-              <a:t>Maintainability</a:t>
-            </a:r>
-          </a:p>
-          <a:p>
-            <a:pPr marL="514350" indent="-514350">
-              <a:buFont typeface="+mj-lt"/>
-              <a:buAutoNum type="arabicPeriod"/>
-            </a:pPr>
-            <a:r>
-              <a:rPr lang="en-US" dirty="0">
-                <a:solidFill>
-                  <a:schemeClr val="tx2"/>
-                </a:solidFill>
-              </a:rPr>
-              <a:t>Accessibility</a:t>
-            </a:r>
-          </a:p>
-          <a:p>
-            <a:pPr marL="514350" indent="-514350">
-              <a:buFont typeface="+mj-lt"/>
-              <a:buAutoNum type="arabicPeriod"/>
-            </a:pPr>
-            <a:r>
-              <a:rPr lang="en-US" dirty="0" smtClean="0">
-                <a:solidFill>
-                  <a:schemeClr val="tx2"/>
-                </a:solidFill>
-              </a:rPr>
-              <a:t>Interoperability</a:t>
-            </a:r>
-            <a:endParaRPr lang="en-US" dirty="0">
-              <a:solidFill>
-                <a:schemeClr val="tx2"/>
-              </a:solidFill>
-            </a:endParaRPr>
-          </a:p>
-        </p:txBody>
-      </p:sp>
+                <a:miter lim="800000"/>
+                <a:headEnd/>
+                <a:tailEnd/>
+              </a14:hiddenLine>
+            </a:ext>
+          </a:extLst>
+        </p:spPr>
+      </p:pic>
     </p:spTree>
     <p:extLst>
       <p:ext uri="{BB962C8B-B14F-4D97-AF65-F5344CB8AC3E}">
-        <p14:creationId xmlns:p14="http://schemas.microsoft.com/office/powerpoint/2010/main" val="209656445"/>
+        <p14:creationId xmlns:p14="http://schemas.microsoft.com/office/powerpoint/2010/main" val="3815770259"/>
       </p:ext>
     </p:extLst>
   </p:cSld>
@@ -4644,14 +4647,9 @@
           <a:lstStyle/>
           <a:p>
             <a:r>
-              <a:rPr lang="en-US" dirty="0" smtClean="0"/>
-              <a:t>4. PRIORITIZING </a:t>
-            </a:r>
-            <a:r>
-              <a:rPr lang="en-US" dirty="0" smtClean="0"/>
-              <a:t>REQUIREMENTS</a:t>
-            </a:r>
-            <a:endParaRPr lang="en-US" dirty="0"/>
+              <a:rPr lang="en-US" dirty="0"/>
+              <a:t>FUNCTIONAL REQUIREMENTS</a:t>
+            </a:r>
           </a:p>
         </p:txBody>
       </p:sp>
@@ -4668,141 +4666,97 @@
         <p:spPr/>
         <p:txBody>
           <a:bodyPr>
-            <a:normAutofit lnSpcReduction="10000"/>
+            <a:noAutofit/>
           </a:bodyPr>
           <a:lstStyle/>
           <a:p>
-            <a:pPr marL="514350" indent="-514350">
+            <a:pPr marL="731520" lvl="1" indent="-457200">
               <a:buFont typeface="+mj-lt"/>
               <a:buAutoNum type="arabicPeriod"/>
             </a:pPr>
             <a:r>
-              <a:rPr lang="en-US" dirty="0" smtClean="0"/>
-              <a:t>High Impact</a:t>
-            </a:r>
-          </a:p>
-          <a:p>
-            <a:pPr lvl="1"/>
-            <a:r>
-              <a:rPr lang="en-US" sz="2000" dirty="0"/>
-              <a:t>Real-Time Alerts and Notifications</a:t>
-            </a:r>
-          </a:p>
-          <a:p>
-            <a:pPr lvl="1"/>
-            <a:r>
-              <a:rPr lang="en-US" sz="2000" dirty="0" smtClean="0"/>
-              <a:t>Incident Reporting</a:t>
-            </a:r>
-          </a:p>
-          <a:p>
-            <a:pPr lvl="1"/>
-            <a:r>
-              <a:rPr lang="en-US" sz="2000" dirty="0"/>
-              <a:t>Communication with </a:t>
-            </a:r>
-            <a:r>
-              <a:rPr lang="en-US" sz="2000" dirty="0" smtClean="0"/>
-              <a:t>Authorities</a:t>
-            </a:r>
-          </a:p>
-          <a:p>
-            <a:pPr lvl="1"/>
-            <a:r>
-              <a:rPr lang="en-US" sz="2000" dirty="0"/>
-              <a:t>Geospatial Data </a:t>
-            </a:r>
-            <a:r>
-              <a:rPr lang="en-US" sz="2000" dirty="0" smtClean="0"/>
-              <a:t>Integration</a:t>
-            </a:r>
-          </a:p>
-          <a:p>
-            <a:pPr lvl="1"/>
-            <a:r>
-              <a:rPr lang="en-US" sz="2000" dirty="0"/>
-              <a:t>Offline </a:t>
-            </a:r>
-            <a:r>
-              <a:rPr lang="en-US" sz="2000" dirty="0" smtClean="0"/>
-              <a:t>Functionality</a:t>
-            </a:r>
-            <a:endParaRPr lang="en-US" sz="2000" dirty="0" smtClean="0"/>
-          </a:p>
-          <a:p>
-            <a:pPr marL="457200" indent="-457200">
+              <a:rPr lang="en-US" sz="2600" dirty="0"/>
+              <a:t>User Registration and Authentication</a:t>
+            </a:r>
+          </a:p>
+          <a:p>
+            <a:pPr marL="731520" lvl="1" indent="-457200">
               <a:buFont typeface="+mj-lt"/>
               <a:buAutoNum type="arabicPeriod"/>
             </a:pPr>
             <a:r>
-              <a:rPr lang="en-US" dirty="0" smtClean="0"/>
-              <a:t>Moderate Impact</a:t>
-            </a:r>
-            <a:endParaRPr lang="en-US" sz="2400" dirty="0"/>
-          </a:p>
-          <a:p>
-            <a:pPr lvl="1"/>
-            <a:r>
-              <a:rPr lang="en-US" sz="2000" dirty="0"/>
-              <a:t>Multifunctional Mobile </a:t>
-            </a:r>
-            <a:r>
-              <a:rPr lang="en-US" sz="2000" dirty="0" smtClean="0"/>
-              <a:t>Application</a:t>
-            </a:r>
-          </a:p>
-          <a:p>
-            <a:pPr lvl="1"/>
-            <a:r>
-              <a:rPr lang="en-US" sz="2000" dirty="0"/>
-              <a:t>Community Engagement and Collaboration </a:t>
-            </a:r>
-            <a:r>
-              <a:rPr lang="en-US" sz="2000" dirty="0" smtClean="0"/>
-              <a:t>Features</a:t>
-            </a:r>
-          </a:p>
-          <a:p>
-            <a:pPr lvl="1"/>
-            <a:r>
-              <a:rPr lang="en-US" sz="2000" dirty="0"/>
-              <a:t>Evacuation Routes</a:t>
-            </a:r>
-          </a:p>
-          <a:p>
-            <a:pPr lvl="1"/>
-            <a:r>
-              <a:rPr lang="en-US" sz="2000" dirty="0" smtClean="0"/>
-              <a:t>User </a:t>
-            </a:r>
-            <a:r>
-              <a:rPr lang="en-US" sz="2000" dirty="0"/>
-              <a:t>Feedback and </a:t>
-            </a:r>
-            <a:r>
-              <a:rPr lang="en-US" sz="2000" dirty="0" smtClean="0"/>
-              <a:t>Support</a:t>
-            </a:r>
-          </a:p>
-          <a:p>
-            <a:pPr marL="514350" indent="-514350">
+              <a:rPr lang="en-US" sz="2600" dirty="0"/>
+              <a:t>Real-Time Alerts and Notifications</a:t>
+            </a:r>
+          </a:p>
+          <a:p>
+            <a:pPr marL="731520" lvl="1" indent="-457200">
               <a:buFont typeface="+mj-lt"/>
               <a:buAutoNum type="arabicPeriod"/>
             </a:pPr>
             <a:r>
-              <a:rPr lang="en-US" dirty="0" smtClean="0"/>
-              <a:t>Lower Impact</a:t>
-            </a:r>
-          </a:p>
-          <a:p>
-            <a:pPr lvl="1"/>
-            <a:r>
-              <a:rPr lang="en-US" sz="2000" dirty="0"/>
-              <a:t>Multi-language </a:t>
-            </a:r>
-            <a:r>
-              <a:rPr lang="en-US" sz="2000" dirty="0" smtClean="0"/>
-              <a:t>Support</a:t>
+              <a:rPr lang="en-US" sz="2600" dirty="0"/>
+              <a:t>Incident Reporting</a:t>
+            </a:r>
+          </a:p>
+          <a:p>
+            <a:pPr marL="731520" lvl="1" indent="-457200">
+              <a:buFont typeface="+mj-lt"/>
+              <a:buAutoNum type="arabicPeriod"/>
+            </a:pPr>
+            <a:r>
+              <a:rPr lang="en-US" sz="2600" dirty="0"/>
+              <a:t>Emergency Resource Access</a:t>
+            </a:r>
+          </a:p>
+          <a:p>
+            <a:pPr marL="731520" lvl="1" indent="-457200">
+              <a:buFont typeface="+mj-lt"/>
+              <a:buAutoNum type="arabicPeriod"/>
+            </a:pPr>
+            <a:r>
+              <a:rPr lang="en-US" sz="2600" dirty="0"/>
+              <a:t>Community Engagement Features &amp; Communication with Authorities</a:t>
+            </a:r>
+          </a:p>
+          <a:p>
+            <a:pPr marL="731520" lvl="1" indent="-457200">
+              <a:buFont typeface="+mj-lt"/>
+              <a:buAutoNum type="arabicPeriod"/>
+            </a:pPr>
+            <a:r>
+              <a:rPr lang="en-US" sz="2600" dirty="0"/>
+              <a:t>Geospatial Data Integration and Mapping Services</a:t>
+            </a:r>
+          </a:p>
+          <a:p>
+            <a:pPr marL="731520" lvl="1" indent="-457200">
+              <a:buFont typeface="+mj-lt"/>
+              <a:buAutoNum type="arabicPeriod"/>
+            </a:pPr>
+            <a:r>
+              <a:rPr lang="en-US" sz="2600" dirty="0"/>
+              <a:t>Request Help</a:t>
+            </a:r>
+          </a:p>
+          <a:p>
+            <a:pPr marL="731520" lvl="1" indent="-457200">
+              <a:buFont typeface="+mj-lt"/>
+              <a:buAutoNum type="arabicPeriod"/>
+            </a:pPr>
+            <a:r>
+              <a:rPr lang="en-US" sz="2600" dirty="0"/>
+              <a:t>Offline Functionality</a:t>
+            </a:r>
+          </a:p>
+          <a:p>
+            <a:pPr marL="731520" lvl="1" indent="-457200">
+              <a:buFont typeface="+mj-lt"/>
+              <a:buAutoNum type="arabicPeriod"/>
+            </a:pPr>
+            <a:r>
+              <a:rPr lang="en-US" sz="2600" dirty="0"/>
+              <a:t>Multilingual Support</a:t>
             </a:r>
           </a:p>
         </p:txBody>
@@ -4810,7 +4764,7 @@
     </p:spTree>
     <p:extLst>
       <p:ext uri="{BB962C8B-B14F-4D97-AF65-F5344CB8AC3E}">
-        <p14:creationId xmlns:p14="http://schemas.microsoft.com/office/powerpoint/2010/main" val="2326968363"/>
+        <p14:creationId xmlns:p14="http://schemas.microsoft.com/office/powerpoint/2010/main" val="3876199562"/>
       </p:ext>
     </p:extLst>
   </p:cSld>
@@ -4854,6 +4808,1529 @@
           <a:p>
             <a:r>
               <a:rPr lang="en-US" dirty="0"/>
+              <a:t>NON-FUNCTIONAL REQUIREMENTS</a:t>
+            </a:r>
+          </a:p>
+        </p:txBody>
+      </p:sp>
+      <p:sp>
+        <p:nvSpPr>
+          <p:cNvPr id="3" name="Content Placeholder 2"/>
+          <p:cNvSpPr>
+            <a:spLocks noGrp="1"/>
+          </p:cNvSpPr>
+          <p:nvPr>
+            <p:ph sz="quarter" idx="1"/>
+          </p:nvPr>
+        </p:nvSpPr>
+        <p:spPr/>
+        <p:txBody>
+          <a:bodyPr/>
+          <a:lstStyle/>
+          <a:p>
+            <a:pPr marL="514350" indent="-514350">
+              <a:buFont typeface="+mj-lt"/>
+              <a:buAutoNum type="arabicPeriod"/>
+            </a:pPr>
+            <a:r>
+              <a:rPr lang="en-US" dirty="0">
+                <a:solidFill>
+                  <a:schemeClr val="tx2"/>
+                </a:solidFill>
+              </a:rPr>
+              <a:t>Usability</a:t>
+            </a:r>
+          </a:p>
+          <a:p>
+            <a:pPr marL="514350" indent="-514350">
+              <a:buFont typeface="+mj-lt"/>
+              <a:buAutoNum type="arabicPeriod"/>
+            </a:pPr>
+            <a:r>
+              <a:rPr lang="en-US" dirty="0">
+                <a:solidFill>
+                  <a:schemeClr val="tx2"/>
+                </a:solidFill>
+              </a:rPr>
+              <a:t>Performance</a:t>
+            </a:r>
+          </a:p>
+          <a:p>
+            <a:pPr marL="514350" indent="-514350">
+              <a:buFont typeface="+mj-lt"/>
+              <a:buAutoNum type="arabicPeriod"/>
+            </a:pPr>
+            <a:r>
+              <a:rPr lang="en-US" dirty="0">
+                <a:solidFill>
+                  <a:schemeClr val="tx2"/>
+                </a:solidFill>
+              </a:rPr>
+              <a:t>Security</a:t>
+            </a:r>
+          </a:p>
+          <a:p>
+            <a:pPr marL="514350" indent="-514350">
+              <a:buFont typeface="+mj-lt"/>
+              <a:buAutoNum type="arabicPeriod"/>
+            </a:pPr>
+            <a:r>
+              <a:rPr lang="en-US" dirty="0">
+                <a:solidFill>
+                  <a:schemeClr val="tx2"/>
+                </a:solidFill>
+              </a:rPr>
+              <a:t>Reliability</a:t>
+            </a:r>
+          </a:p>
+          <a:p>
+            <a:pPr marL="514350" indent="-514350">
+              <a:buFont typeface="+mj-lt"/>
+              <a:buAutoNum type="arabicPeriod"/>
+            </a:pPr>
+            <a:r>
+              <a:rPr lang="en-US" dirty="0">
+                <a:solidFill>
+                  <a:schemeClr val="tx2"/>
+                </a:solidFill>
+              </a:rPr>
+              <a:t>Scalability</a:t>
+            </a:r>
+          </a:p>
+          <a:p>
+            <a:pPr marL="514350" indent="-514350">
+              <a:buFont typeface="+mj-lt"/>
+              <a:buAutoNum type="arabicPeriod"/>
+            </a:pPr>
+            <a:r>
+              <a:rPr lang="en-US" dirty="0">
+                <a:solidFill>
+                  <a:schemeClr val="tx2"/>
+                </a:solidFill>
+              </a:rPr>
+              <a:t>Maintainability</a:t>
+            </a:r>
+          </a:p>
+          <a:p>
+            <a:pPr marL="514350" indent="-514350">
+              <a:buFont typeface="+mj-lt"/>
+              <a:buAutoNum type="arabicPeriod"/>
+            </a:pPr>
+            <a:r>
+              <a:rPr lang="en-US" dirty="0">
+                <a:solidFill>
+                  <a:schemeClr val="tx2"/>
+                </a:solidFill>
+              </a:rPr>
+              <a:t>Accessibility</a:t>
+            </a:r>
+          </a:p>
+          <a:p>
+            <a:pPr marL="514350" indent="-514350">
+              <a:buFont typeface="+mj-lt"/>
+              <a:buAutoNum type="arabicPeriod"/>
+            </a:pPr>
+            <a:r>
+              <a:rPr lang="en-US" dirty="0">
+                <a:solidFill>
+                  <a:schemeClr val="tx2"/>
+                </a:solidFill>
+              </a:rPr>
+              <a:t>Interoperability</a:t>
+            </a:r>
+          </a:p>
+        </p:txBody>
+      </p:sp>
+    </p:spTree>
+    <p:extLst>
+      <p:ext uri="{BB962C8B-B14F-4D97-AF65-F5344CB8AC3E}">
+        <p14:creationId xmlns:p14="http://schemas.microsoft.com/office/powerpoint/2010/main" val="209656445"/>
+      </p:ext>
+    </p:extLst>
+  </p:cSld>
+  <p:clrMapOvr>
+    <a:masterClrMapping/>
+  </p:clrMapOvr>
+</p:sld>
+</file>
+
+<file path=ppt/slides/slide14.xml><?xml version="1.0" encoding="utf-8"?>
+<p:sld xmlns:a="http://schemas.openxmlformats.org/drawingml/2006/main" xmlns:r="http://schemas.openxmlformats.org/officeDocument/2006/relationships" xmlns:p="http://schemas.openxmlformats.org/presentationml/2006/main">
+  <p:cSld>
+    <p:spTree>
+      <p:nvGrpSpPr>
+        <p:cNvPr id="1" name=""/>
+        <p:cNvGrpSpPr/>
+        <p:nvPr/>
+      </p:nvGrpSpPr>
+      <p:grpSpPr>
+        <a:xfrm>
+          <a:off x="0" y="0"/>
+          <a:ext cx="0" cy="0"/>
+          <a:chOff x="0" y="0"/>
+          <a:chExt cx="0" cy="0"/>
+        </a:xfrm>
+      </p:grpSpPr>
+      <p:sp>
+        <p:nvSpPr>
+          <p:cNvPr id="2" name="Title 1"/>
+          <p:cNvSpPr>
+            <a:spLocks noGrp="1"/>
+          </p:cNvSpPr>
+          <p:nvPr>
+            <p:ph type="title"/>
+          </p:nvPr>
+        </p:nvSpPr>
+        <p:spPr/>
+        <p:txBody>
+          <a:bodyPr/>
+          <a:lstStyle/>
+          <a:p>
+            <a:r>
+              <a:rPr lang="en-US" dirty="0"/>
+              <a:t>4. PRIORITIZING REQUIREMENTS</a:t>
+            </a:r>
+          </a:p>
+        </p:txBody>
+      </p:sp>
+      <p:pic>
+        <p:nvPicPr>
+          <p:cNvPr id="5" name="Content Placeholder 4">
+            <a:extLst>
+              <a:ext uri="{FF2B5EF4-FFF2-40B4-BE49-F238E27FC236}">
+                <a16:creationId xmlns:a16="http://schemas.microsoft.com/office/drawing/2014/main" id="{19A39054-4866-E490-872F-468EBCBEE4C2}"/>
+              </a:ext>
+            </a:extLst>
+          </p:cNvPr>
+          <p:cNvPicPr>
+            <a:picLocks noGrp="1" noChangeAspect="1"/>
+          </p:cNvPicPr>
+          <p:nvPr>
+            <p:ph sz="quarter" idx="1"/>
+          </p:nvPr>
+        </p:nvPicPr>
+        <p:blipFill>
+          <a:blip r:embed="rId2"/>
+          <a:stretch>
+            <a:fillRect/>
+          </a:stretch>
+        </p:blipFill>
+        <p:spPr>
+          <a:xfrm>
+            <a:off x="457200" y="1527492"/>
+            <a:ext cx="8229600" cy="4496790"/>
+          </a:xfrm>
+        </p:spPr>
+      </p:pic>
+    </p:spTree>
+    <p:extLst>
+      <p:ext uri="{BB962C8B-B14F-4D97-AF65-F5344CB8AC3E}">
+        <p14:creationId xmlns:p14="http://schemas.microsoft.com/office/powerpoint/2010/main" val="2326968363"/>
+      </p:ext>
+    </p:extLst>
+  </p:cSld>
+  <p:clrMapOvr>
+    <a:masterClrMapping/>
+  </p:clrMapOvr>
+</p:sld>
+</file>
+
+<file path=ppt/slides/slide15.xml><?xml version="1.0" encoding="utf-8"?>
+<p:sld xmlns:a="http://schemas.openxmlformats.org/drawingml/2006/main" xmlns:r="http://schemas.openxmlformats.org/officeDocument/2006/relationships" xmlns:p="http://schemas.openxmlformats.org/presentationml/2006/main">
+  <p:cSld>
+    <p:spTree>
+      <p:nvGrpSpPr>
+        <p:cNvPr id="1" name=""/>
+        <p:cNvGrpSpPr/>
+        <p:nvPr/>
+      </p:nvGrpSpPr>
+      <p:grpSpPr>
+        <a:xfrm>
+          <a:off x="0" y="0"/>
+          <a:ext cx="0" cy="0"/>
+          <a:chOff x="0" y="0"/>
+          <a:chExt cx="0" cy="0"/>
+        </a:xfrm>
+      </p:grpSpPr>
+      <p:sp>
+        <p:nvSpPr>
+          <p:cNvPr id="2" name="Title 1">
+            <a:extLst>
+              <a:ext uri="{FF2B5EF4-FFF2-40B4-BE49-F238E27FC236}">
+                <a16:creationId xmlns:a16="http://schemas.microsoft.com/office/drawing/2014/main" id="{7E930172-D0E5-592F-097B-42045C1534CF}"/>
+              </a:ext>
+            </a:extLst>
+          </p:cNvPr>
+          <p:cNvSpPr>
+            <a:spLocks noGrp="1"/>
+          </p:cNvSpPr>
+          <p:nvPr>
+            <p:ph type="title"/>
+          </p:nvPr>
+        </p:nvSpPr>
+        <p:spPr/>
+        <p:txBody>
+          <a:bodyPr/>
+          <a:lstStyle/>
+          <a:p>
+            <a:r>
+              <a:rPr lang="en-US" dirty="0"/>
+              <a:t> </a:t>
+            </a:r>
+          </a:p>
+        </p:txBody>
+      </p:sp>
+      <p:sp>
+        <p:nvSpPr>
+          <p:cNvPr id="3" name="Content Placeholder 2">
+            <a:extLst>
+              <a:ext uri="{FF2B5EF4-FFF2-40B4-BE49-F238E27FC236}">
+                <a16:creationId xmlns:a16="http://schemas.microsoft.com/office/drawing/2014/main" id="{C324F7D4-789D-E739-A3E0-5E9984F3DDD8}"/>
+              </a:ext>
+            </a:extLst>
+          </p:cNvPr>
+          <p:cNvSpPr>
+            <a:spLocks noGrp="1"/>
+          </p:cNvSpPr>
+          <p:nvPr>
+            <p:ph sz="quarter" idx="1"/>
+          </p:nvPr>
+        </p:nvSpPr>
+        <p:spPr>
+          <a:xfrm>
+            <a:off x="457200" y="322729"/>
+            <a:ext cx="8229600" cy="6145306"/>
+          </a:xfrm>
+        </p:spPr>
+        <p:txBody>
+          <a:bodyPr>
+            <a:normAutofit/>
+          </a:bodyPr>
+          <a:lstStyle/>
+          <a:p>
+            <a:pPr marL="514350" indent="-514350">
+              <a:buFont typeface="+mj-lt"/>
+              <a:buAutoNum type="arabicPeriod"/>
+            </a:pPr>
+            <a:r>
+              <a:rPr lang="en-US" dirty="0"/>
+              <a:t>High Impact</a:t>
+            </a:r>
+          </a:p>
+          <a:p>
+            <a:pPr lvl="1"/>
+            <a:r>
+              <a:rPr lang="en-US" sz="2000" dirty="0"/>
+              <a:t>Real-Time Alerts and Notifications</a:t>
+            </a:r>
+          </a:p>
+          <a:p>
+            <a:pPr lvl="1"/>
+            <a:r>
+              <a:rPr lang="en-US" sz="2000" dirty="0"/>
+              <a:t>Incident Reporting</a:t>
+            </a:r>
+          </a:p>
+          <a:p>
+            <a:pPr lvl="1"/>
+            <a:r>
+              <a:rPr lang="en-US" sz="2000" dirty="0"/>
+              <a:t>Communication with Authorities</a:t>
+            </a:r>
+          </a:p>
+          <a:p>
+            <a:pPr lvl="1"/>
+            <a:r>
+              <a:rPr lang="en-US" sz="2000" dirty="0"/>
+              <a:t>Geospatial Data Integration</a:t>
+            </a:r>
+          </a:p>
+          <a:p>
+            <a:pPr lvl="1"/>
+            <a:r>
+              <a:rPr lang="en-US" sz="2000" dirty="0"/>
+              <a:t>Offline Functionality</a:t>
+            </a:r>
+          </a:p>
+          <a:p>
+            <a:pPr marL="457200" indent="-457200">
+              <a:buFont typeface="+mj-lt"/>
+              <a:buAutoNum type="arabicPeriod"/>
+            </a:pPr>
+            <a:r>
+              <a:rPr lang="en-US" dirty="0"/>
+              <a:t>Moderate Impact</a:t>
+            </a:r>
+            <a:endParaRPr lang="en-US" sz="2400" dirty="0"/>
+          </a:p>
+          <a:p>
+            <a:pPr lvl="1"/>
+            <a:r>
+              <a:rPr lang="en-US" sz="2000" dirty="0"/>
+              <a:t>Multifunctional Mobile Application</a:t>
+            </a:r>
+          </a:p>
+          <a:p>
+            <a:pPr lvl="1"/>
+            <a:r>
+              <a:rPr lang="en-US" sz="2000" dirty="0"/>
+              <a:t>Community Engagement and Collaboration Features</a:t>
+            </a:r>
+          </a:p>
+          <a:p>
+            <a:pPr lvl="1"/>
+            <a:r>
+              <a:rPr lang="en-US" sz="2000" dirty="0"/>
+              <a:t>Evacuation Routes</a:t>
+            </a:r>
+          </a:p>
+          <a:p>
+            <a:pPr lvl="1"/>
+            <a:r>
+              <a:rPr lang="en-US" sz="2000" dirty="0"/>
+              <a:t>User Feedback and Support</a:t>
+            </a:r>
+          </a:p>
+          <a:p>
+            <a:pPr marL="514350" indent="-514350">
+              <a:buFont typeface="+mj-lt"/>
+              <a:buAutoNum type="arabicPeriod"/>
+            </a:pPr>
+            <a:r>
+              <a:rPr lang="en-US" dirty="0"/>
+              <a:t>Lower Impact</a:t>
+            </a:r>
+          </a:p>
+          <a:p>
+            <a:pPr lvl="1"/>
+            <a:r>
+              <a:rPr lang="en-US" sz="2000" dirty="0"/>
+              <a:t>Multi-language Support</a:t>
+            </a:r>
+          </a:p>
+          <a:p>
+            <a:endParaRPr lang="en-US" dirty="0"/>
+          </a:p>
+        </p:txBody>
+      </p:sp>
+    </p:spTree>
+    <p:extLst>
+      <p:ext uri="{BB962C8B-B14F-4D97-AF65-F5344CB8AC3E}">
+        <p14:creationId xmlns:p14="http://schemas.microsoft.com/office/powerpoint/2010/main" val="4294952511"/>
+      </p:ext>
+    </p:extLst>
+  </p:cSld>
+  <p:clrMapOvr>
+    <a:masterClrMapping/>
+  </p:clrMapOvr>
+</p:sld>
+</file>
+
+<file path=ppt/slides/slide16.xml><?xml version="1.0" encoding="utf-8"?>
+<p:sld xmlns:a="http://schemas.openxmlformats.org/drawingml/2006/main" xmlns:r="http://schemas.openxmlformats.org/officeDocument/2006/relationships" xmlns:p="http://schemas.openxmlformats.org/presentationml/2006/main">
+  <p:cSld>
+    <p:spTree>
+      <p:nvGrpSpPr>
+        <p:cNvPr id="1" name=""/>
+        <p:cNvGrpSpPr/>
+        <p:nvPr/>
+      </p:nvGrpSpPr>
+      <p:grpSpPr>
+        <a:xfrm>
+          <a:off x="0" y="0"/>
+          <a:ext cx="0" cy="0"/>
+          <a:chOff x="0" y="0"/>
+          <a:chExt cx="0" cy="0"/>
+        </a:xfrm>
+      </p:grpSpPr>
+      <p:sp>
+        <p:nvSpPr>
+          <p:cNvPr id="2" name="Title 1">
+            <a:extLst>
+              <a:ext uri="{FF2B5EF4-FFF2-40B4-BE49-F238E27FC236}">
+                <a16:creationId xmlns:a16="http://schemas.microsoft.com/office/drawing/2014/main" id="{6C1C97E0-53D2-8534-6578-9799D2F16A57}"/>
+              </a:ext>
+            </a:extLst>
+          </p:cNvPr>
+          <p:cNvSpPr>
+            <a:spLocks noGrp="1"/>
+          </p:cNvSpPr>
+          <p:nvPr>
+            <p:ph type="title"/>
+          </p:nvPr>
+        </p:nvSpPr>
+        <p:spPr/>
+        <p:txBody>
+          <a:bodyPr>
+            <a:normAutofit fontScale="90000"/>
+          </a:bodyPr>
+          <a:lstStyle/>
+          <a:p>
+            <a:r>
+              <a:rPr lang="en-US" b="1" dirty="0"/>
+              <a:t>EXTERNAL INTERFACE REQUIREMENTS</a:t>
+            </a:r>
+          </a:p>
+        </p:txBody>
+      </p:sp>
+      <p:sp>
+        <p:nvSpPr>
+          <p:cNvPr id="3" name="Content Placeholder 2">
+            <a:extLst>
+              <a:ext uri="{FF2B5EF4-FFF2-40B4-BE49-F238E27FC236}">
+                <a16:creationId xmlns:a16="http://schemas.microsoft.com/office/drawing/2014/main" id="{6771711A-52F9-CB56-41BD-875FA8F9D625}"/>
+              </a:ext>
+            </a:extLst>
+          </p:cNvPr>
+          <p:cNvSpPr>
+            <a:spLocks noGrp="1"/>
+          </p:cNvSpPr>
+          <p:nvPr>
+            <p:ph sz="quarter" idx="1"/>
+          </p:nvPr>
+        </p:nvSpPr>
+        <p:spPr>
+          <a:xfrm>
+            <a:off x="457200" y="1219200"/>
+            <a:ext cx="8229600" cy="596153"/>
+          </a:xfrm>
+        </p:spPr>
+        <p:txBody>
+          <a:bodyPr>
+            <a:normAutofit/>
+          </a:bodyPr>
+          <a:lstStyle/>
+          <a:p>
+            <a:r>
+              <a:rPr lang="en-US" sz="2400" dirty="0"/>
+              <a:t>BUILDING BRIDGES: External interfaces for collaboration</a:t>
+            </a:r>
+          </a:p>
+        </p:txBody>
+      </p:sp>
+      <p:pic>
+        <p:nvPicPr>
+          <p:cNvPr id="5" name="Picture 4">
+            <a:extLst>
+              <a:ext uri="{FF2B5EF4-FFF2-40B4-BE49-F238E27FC236}">
+                <a16:creationId xmlns:a16="http://schemas.microsoft.com/office/drawing/2014/main" id="{1E3258B4-9AD1-DA71-31EC-EFD1D49DE4A7}"/>
+              </a:ext>
+            </a:extLst>
+          </p:cNvPr>
+          <p:cNvPicPr>
+            <a:picLocks noChangeAspect="1"/>
+          </p:cNvPicPr>
+          <p:nvPr/>
+        </p:nvPicPr>
+        <p:blipFill>
+          <a:blip r:embed="rId2"/>
+          <a:stretch>
+            <a:fillRect/>
+          </a:stretch>
+        </p:blipFill>
+        <p:spPr>
+          <a:xfrm>
+            <a:off x="699247" y="1891553"/>
+            <a:ext cx="7812741" cy="4154226"/>
+          </a:xfrm>
+          <a:prstGeom prst="rect">
+            <a:avLst/>
+          </a:prstGeom>
+        </p:spPr>
+      </p:pic>
+    </p:spTree>
+    <p:extLst>
+      <p:ext uri="{BB962C8B-B14F-4D97-AF65-F5344CB8AC3E}">
+        <p14:creationId xmlns:p14="http://schemas.microsoft.com/office/powerpoint/2010/main" val="3080299543"/>
+      </p:ext>
+    </p:extLst>
+  </p:cSld>
+  <p:clrMapOvr>
+    <a:masterClrMapping/>
+  </p:clrMapOvr>
+</p:sld>
+</file>
+
+<file path=ppt/slides/slide17.xml><?xml version="1.0" encoding="utf-8"?>
+<p:sld xmlns:a="http://schemas.openxmlformats.org/drawingml/2006/main" xmlns:r="http://schemas.openxmlformats.org/officeDocument/2006/relationships" xmlns:p="http://schemas.openxmlformats.org/presentationml/2006/main">
+  <p:cSld>
+    <p:spTree>
+      <p:nvGrpSpPr>
+        <p:cNvPr id="1" name=""/>
+        <p:cNvGrpSpPr/>
+        <p:nvPr/>
+      </p:nvGrpSpPr>
+      <p:grpSpPr>
+        <a:xfrm>
+          <a:off x="0" y="0"/>
+          <a:ext cx="0" cy="0"/>
+          <a:chOff x="0" y="0"/>
+          <a:chExt cx="0" cy="0"/>
+        </a:xfrm>
+      </p:grpSpPr>
+      <p:sp>
+        <p:nvSpPr>
+          <p:cNvPr id="2" name="Title 1">
+            <a:extLst>
+              <a:ext uri="{FF2B5EF4-FFF2-40B4-BE49-F238E27FC236}">
+                <a16:creationId xmlns:a16="http://schemas.microsoft.com/office/drawing/2014/main" id="{8C3DF6F8-0DEA-216E-5419-88602D95A1E6}"/>
+              </a:ext>
+            </a:extLst>
+          </p:cNvPr>
+          <p:cNvSpPr>
+            <a:spLocks noGrp="1"/>
+          </p:cNvSpPr>
+          <p:nvPr>
+            <p:ph type="title"/>
+          </p:nvPr>
+        </p:nvSpPr>
+        <p:spPr/>
+        <p:txBody>
+          <a:bodyPr>
+            <a:normAutofit/>
+          </a:bodyPr>
+          <a:lstStyle/>
+          <a:p>
+            <a:r>
+              <a:rPr lang="en-US" sz="2800" b="1" dirty="0">
+                <a:effectLst/>
+                <a:latin typeface="Times New Roman" panose="02020603050405020304" pitchFamily="18" charset="0"/>
+                <a:ea typeface="Times New Roman" panose="02020603050405020304" pitchFamily="18" charset="0"/>
+              </a:rPr>
+              <a:t>User Interfaces (UI)</a:t>
+            </a:r>
+            <a:endParaRPr lang="en-US" sz="4400" dirty="0"/>
+          </a:p>
+        </p:txBody>
+      </p:sp>
+      <p:pic>
+        <p:nvPicPr>
+          <p:cNvPr id="6" name="Content Placeholder 5">
+            <a:extLst>
+              <a:ext uri="{FF2B5EF4-FFF2-40B4-BE49-F238E27FC236}">
+                <a16:creationId xmlns:a16="http://schemas.microsoft.com/office/drawing/2014/main" id="{063E52C2-544F-4AA9-4344-8741B2D185D5}"/>
+              </a:ext>
+            </a:extLst>
+          </p:cNvPr>
+          <p:cNvPicPr>
+            <a:picLocks noGrp="1" noChangeAspect="1"/>
+          </p:cNvPicPr>
+          <p:nvPr>
+            <p:ph sz="quarter" idx="1"/>
+          </p:nvPr>
+        </p:nvPicPr>
+        <p:blipFill>
+          <a:blip r:embed="rId2"/>
+          <a:stretch>
+            <a:fillRect/>
+          </a:stretch>
+        </p:blipFill>
+        <p:spPr>
+          <a:xfrm>
+            <a:off x="457201" y="1553200"/>
+            <a:ext cx="3805518" cy="4013882"/>
+          </a:xfrm>
+        </p:spPr>
+      </p:pic>
+      <p:pic>
+        <p:nvPicPr>
+          <p:cNvPr id="8" name="Content Placeholder 7">
+            <a:extLst>
+              <a:ext uri="{FF2B5EF4-FFF2-40B4-BE49-F238E27FC236}">
+                <a16:creationId xmlns:a16="http://schemas.microsoft.com/office/drawing/2014/main" id="{29A3A604-BDD0-0F2A-786B-0FA5C4FDBAD2}"/>
+              </a:ext>
+            </a:extLst>
+          </p:cNvPr>
+          <p:cNvPicPr>
+            <a:picLocks noGrp="1" noChangeAspect="1"/>
+          </p:cNvPicPr>
+          <p:nvPr>
+            <p:ph sz="quarter" idx="2"/>
+          </p:nvPr>
+        </p:nvPicPr>
+        <p:blipFill>
+          <a:blip r:embed="rId3"/>
+          <a:stretch>
+            <a:fillRect/>
+          </a:stretch>
+        </p:blipFill>
+        <p:spPr>
+          <a:xfrm>
+            <a:off x="4868582" y="1882588"/>
+            <a:ext cx="3805518" cy="3582913"/>
+          </a:xfrm>
+        </p:spPr>
+      </p:pic>
+      <p:sp>
+        <p:nvSpPr>
+          <p:cNvPr id="9" name="TextBox 8">
+            <a:extLst>
+              <a:ext uri="{FF2B5EF4-FFF2-40B4-BE49-F238E27FC236}">
+                <a16:creationId xmlns:a16="http://schemas.microsoft.com/office/drawing/2014/main" id="{A7D8D1D1-2989-310E-2DF6-FA87851AD58D}"/>
+              </a:ext>
+            </a:extLst>
+          </p:cNvPr>
+          <p:cNvSpPr txBox="1"/>
+          <p:nvPr/>
+        </p:nvSpPr>
+        <p:spPr>
+          <a:xfrm>
+            <a:off x="1801906" y="5607950"/>
+            <a:ext cx="1237129" cy="400110"/>
+          </a:xfrm>
+          <a:prstGeom prst="rect">
+            <a:avLst/>
+          </a:prstGeom>
+          <a:noFill/>
+        </p:spPr>
+        <p:txBody>
+          <a:bodyPr wrap="square" rtlCol="0">
+            <a:spAutoFit/>
+          </a:bodyPr>
+          <a:lstStyle/>
+          <a:p>
+            <a:r>
+              <a:rPr lang="en-US" sz="2000" b="1" dirty="0"/>
+              <a:t>Users</a:t>
+            </a:r>
+          </a:p>
+        </p:txBody>
+      </p:sp>
+      <p:sp>
+        <p:nvSpPr>
+          <p:cNvPr id="10" name="TextBox 9">
+            <a:extLst>
+              <a:ext uri="{FF2B5EF4-FFF2-40B4-BE49-F238E27FC236}">
+                <a16:creationId xmlns:a16="http://schemas.microsoft.com/office/drawing/2014/main" id="{F11FD303-56BB-DB1F-4C48-B618836155C1}"/>
+              </a:ext>
+            </a:extLst>
+          </p:cNvPr>
+          <p:cNvSpPr txBox="1"/>
+          <p:nvPr/>
+        </p:nvSpPr>
+        <p:spPr>
+          <a:xfrm>
+            <a:off x="4733365" y="5607950"/>
+            <a:ext cx="3953435" cy="400110"/>
+          </a:xfrm>
+          <a:prstGeom prst="rect">
+            <a:avLst/>
+          </a:prstGeom>
+          <a:noFill/>
+        </p:spPr>
+        <p:txBody>
+          <a:bodyPr wrap="square" rtlCol="0">
+            <a:spAutoFit/>
+          </a:bodyPr>
+          <a:lstStyle/>
+          <a:p>
+            <a:r>
+              <a:rPr lang="en-US" sz="2000" b="1" dirty="0"/>
+              <a:t>Emergency responders /admins</a:t>
+            </a:r>
+          </a:p>
+        </p:txBody>
+      </p:sp>
+    </p:spTree>
+    <p:extLst>
+      <p:ext uri="{BB962C8B-B14F-4D97-AF65-F5344CB8AC3E}">
+        <p14:creationId xmlns:p14="http://schemas.microsoft.com/office/powerpoint/2010/main" val="2885711832"/>
+      </p:ext>
+    </p:extLst>
+  </p:cSld>
+  <p:clrMapOvr>
+    <a:masterClrMapping/>
+  </p:clrMapOvr>
+</p:sld>
+</file>
+
+<file path=ppt/slides/slide18.xml><?xml version="1.0" encoding="utf-8"?>
+<p:sld xmlns:a="http://schemas.openxmlformats.org/drawingml/2006/main" xmlns:r="http://schemas.openxmlformats.org/officeDocument/2006/relationships" xmlns:p="http://schemas.openxmlformats.org/presentationml/2006/main">
+  <p:cSld>
+    <p:spTree>
+      <p:nvGrpSpPr>
+        <p:cNvPr id="1" name=""/>
+        <p:cNvGrpSpPr/>
+        <p:nvPr/>
+      </p:nvGrpSpPr>
+      <p:grpSpPr>
+        <a:xfrm>
+          <a:off x="0" y="0"/>
+          <a:ext cx="0" cy="0"/>
+          <a:chOff x="0" y="0"/>
+          <a:chExt cx="0" cy="0"/>
+        </a:xfrm>
+      </p:grpSpPr>
+      <p:sp>
+        <p:nvSpPr>
+          <p:cNvPr id="2" name="Title 1">
+            <a:extLst>
+              <a:ext uri="{FF2B5EF4-FFF2-40B4-BE49-F238E27FC236}">
+                <a16:creationId xmlns:a16="http://schemas.microsoft.com/office/drawing/2014/main" id="{49167B08-91A0-EA9B-602C-71467E27C029}"/>
+              </a:ext>
+            </a:extLst>
+          </p:cNvPr>
+          <p:cNvSpPr>
+            <a:spLocks noGrp="1"/>
+          </p:cNvSpPr>
+          <p:nvPr>
+            <p:ph type="title"/>
+          </p:nvPr>
+        </p:nvSpPr>
+        <p:spPr/>
+        <p:txBody>
+          <a:bodyPr/>
+          <a:lstStyle/>
+          <a:p>
+            <a:r>
+              <a:rPr lang="en-US" dirty="0"/>
+              <a:t>HARDWARE INTERFACES</a:t>
+            </a:r>
+          </a:p>
+        </p:txBody>
+      </p:sp>
+      <p:sp>
+        <p:nvSpPr>
+          <p:cNvPr id="3" name="Content Placeholder 2">
+            <a:extLst>
+              <a:ext uri="{FF2B5EF4-FFF2-40B4-BE49-F238E27FC236}">
+                <a16:creationId xmlns:a16="http://schemas.microsoft.com/office/drawing/2014/main" id="{87AFA5BC-5697-E467-003A-75F0DBD6F0B4}"/>
+              </a:ext>
+            </a:extLst>
+          </p:cNvPr>
+          <p:cNvSpPr>
+            <a:spLocks noGrp="1"/>
+          </p:cNvSpPr>
+          <p:nvPr>
+            <p:ph sz="quarter" idx="1"/>
+          </p:nvPr>
+        </p:nvSpPr>
+        <p:spPr>
+          <a:xfrm>
+            <a:off x="255495" y="1797424"/>
+            <a:ext cx="8229600" cy="3460376"/>
+          </a:xfrm>
+        </p:spPr>
+        <p:txBody>
+          <a:bodyPr>
+            <a:normAutofit/>
+          </a:bodyPr>
+          <a:lstStyle/>
+          <a:p>
+            <a:pPr>
+              <a:lnSpc>
+                <a:spcPct val="200000"/>
+              </a:lnSpc>
+            </a:pPr>
+            <a:r>
+              <a:rPr lang="en-US" sz="2000" dirty="0">
+                <a:effectLst/>
+                <a:latin typeface="Times New Roman" panose="02020603050405020304" pitchFamily="18" charset="0"/>
+                <a:ea typeface="Times New Roman" panose="02020603050405020304" pitchFamily="18" charset="0"/>
+              </a:rPr>
+              <a:t>The application should be accessible from a wide range of standard mobile devices with internet connectivity. This includes smartphones and tablets with various operating systems like Android, iOS, etc. The application should adapt to different screen sizes and resolutions to ensure optimal user experience across various devices.</a:t>
+            </a:r>
+            <a:endParaRPr lang="en-US" sz="2000" dirty="0">
+              <a:effectLst/>
+              <a:latin typeface="Calibri" panose="020F0502020204030204" pitchFamily="34" charset="0"/>
+              <a:ea typeface="Calibri" panose="020F0502020204030204" pitchFamily="34" charset="0"/>
+            </a:endParaRPr>
+          </a:p>
+          <a:p>
+            <a:endParaRPr lang="en-US" dirty="0"/>
+          </a:p>
+        </p:txBody>
+      </p:sp>
+    </p:spTree>
+    <p:extLst>
+      <p:ext uri="{BB962C8B-B14F-4D97-AF65-F5344CB8AC3E}">
+        <p14:creationId xmlns:p14="http://schemas.microsoft.com/office/powerpoint/2010/main" val="2233951051"/>
+      </p:ext>
+    </p:extLst>
+  </p:cSld>
+  <p:clrMapOvr>
+    <a:masterClrMapping/>
+  </p:clrMapOvr>
+</p:sld>
+</file>
+
+<file path=ppt/slides/slide19.xml><?xml version="1.0" encoding="utf-8"?>
+<p:sld xmlns:a="http://schemas.openxmlformats.org/drawingml/2006/main" xmlns:r="http://schemas.openxmlformats.org/officeDocument/2006/relationships" xmlns:p="http://schemas.openxmlformats.org/presentationml/2006/main">
+  <p:cSld>
+    <p:spTree>
+      <p:nvGrpSpPr>
+        <p:cNvPr id="1" name=""/>
+        <p:cNvGrpSpPr/>
+        <p:nvPr/>
+      </p:nvGrpSpPr>
+      <p:grpSpPr>
+        <a:xfrm>
+          <a:off x="0" y="0"/>
+          <a:ext cx="0" cy="0"/>
+          <a:chOff x="0" y="0"/>
+          <a:chExt cx="0" cy="0"/>
+        </a:xfrm>
+      </p:grpSpPr>
+      <p:sp>
+        <p:nvSpPr>
+          <p:cNvPr id="2" name="Title 1">
+            <a:extLst>
+              <a:ext uri="{FF2B5EF4-FFF2-40B4-BE49-F238E27FC236}">
+                <a16:creationId xmlns:a16="http://schemas.microsoft.com/office/drawing/2014/main" id="{2120F75D-F526-3D7D-65BD-05BE63E52B96}"/>
+              </a:ext>
+            </a:extLst>
+          </p:cNvPr>
+          <p:cNvSpPr>
+            <a:spLocks noGrp="1"/>
+          </p:cNvSpPr>
+          <p:nvPr>
+            <p:ph type="title"/>
+          </p:nvPr>
+        </p:nvSpPr>
+        <p:spPr/>
+        <p:txBody>
+          <a:bodyPr>
+            <a:normAutofit/>
+          </a:bodyPr>
+          <a:lstStyle/>
+          <a:p>
+            <a:r>
+              <a:rPr lang="en-US" dirty="0"/>
+              <a:t>SOFTWARE INTERFACES</a:t>
+            </a:r>
+          </a:p>
+        </p:txBody>
+      </p:sp>
+      <p:sp>
+        <p:nvSpPr>
+          <p:cNvPr id="3" name="Content Placeholder 2">
+            <a:extLst>
+              <a:ext uri="{FF2B5EF4-FFF2-40B4-BE49-F238E27FC236}">
+                <a16:creationId xmlns:a16="http://schemas.microsoft.com/office/drawing/2014/main" id="{0ECBB62B-7220-B618-9BE2-F5BDA20B50A9}"/>
+              </a:ext>
+            </a:extLst>
+          </p:cNvPr>
+          <p:cNvSpPr>
+            <a:spLocks noGrp="1"/>
+          </p:cNvSpPr>
+          <p:nvPr>
+            <p:ph sz="quarter" idx="1"/>
+          </p:nvPr>
+        </p:nvSpPr>
+        <p:spPr>
+          <a:xfrm>
+            <a:off x="457200" y="4164106"/>
+            <a:ext cx="8229600" cy="1994647"/>
+          </a:xfrm>
+        </p:spPr>
+        <p:txBody>
+          <a:bodyPr>
+            <a:normAutofit lnSpcReduction="10000"/>
+          </a:bodyPr>
+          <a:lstStyle/>
+          <a:p>
+            <a:pPr>
+              <a:lnSpc>
+                <a:spcPct val="150000"/>
+              </a:lnSpc>
+            </a:pPr>
+            <a:r>
+              <a:rPr lang="en-US" sz="2400" b="1" dirty="0">
+                <a:effectLst/>
+                <a:latin typeface="Times New Roman" panose="02020603050405020304" pitchFamily="18" charset="0"/>
+                <a:ea typeface="Times New Roman" panose="02020603050405020304" pitchFamily="18" charset="0"/>
+              </a:rPr>
+              <a:t>Geospatial Data and Mapping Services</a:t>
+            </a:r>
+            <a:r>
+              <a:rPr lang="en-US" sz="2000" b="1" dirty="0">
+                <a:effectLst/>
+                <a:latin typeface="Times New Roman" panose="02020603050405020304" pitchFamily="18" charset="0"/>
+                <a:ea typeface="Times New Roman" panose="02020603050405020304" pitchFamily="18" charset="0"/>
+              </a:rPr>
+              <a:t>:</a:t>
+            </a:r>
+            <a:r>
+              <a:rPr lang="en-US" sz="2000" dirty="0">
+                <a:effectLst/>
+                <a:latin typeface="Times New Roman" panose="02020603050405020304" pitchFamily="18" charset="0"/>
+                <a:ea typeface="Times New Roman" panose="02020603050405020304" pitchFamily="18" charset="0"/>
+              </a:rPr>
+              <a:t> Integration with services like Google Maps or OpenStreetMap allows displaying real-time information about disaster zones, evacuation routes, and shelter locations on interactive maps.</a:t>
+            </a:r>
+            <a:endParaRPr lang="en-US" sz="2000" dirty="0">
+              <a:effectLst/>
+              <a:latin typeface="Calibri" panose="020F0502020204030204" pitchFamily="34" charset="0"/>
+              <a:ea typeface="Calibri" panose="020F0502020204030204" pitchFamily="34" charset="0"/>
+            </a:endParaRPr>
+          </a:p>
+          <a:p>
+            <a:endParaRPr lang="en-US" dirty="0"/>
+          </a:p>
+        </p:txBody>
+      </p:sp>
+      <p:pic>
+        <p:nvPicPr>
+          <p:cNvPr id="5" name="Picture 4">
+            <a:extLst>
+              <a:ext uri="{FF2B5EF4-FFF2-40B4-BE49-F238E27FC236}">
+                <a16:creationId xmlns:a16="http://schemas.microsoft.com/office/drawing/2014/main" id="{699334FA-97E1-EC10-8FE1-5F0741FAD3F6}"/>
+              </a:ext>
+            </a:extLst>
+          </p:cNvPr>
+          <p:cNvPicPr>
+            <a:picLocks noChangeAspect="1"/>
+          </p:cNvPicPr>
+          <p:nvPr/>
+        </p:nvPicPr>
+        <p:blipFill>
+          <a:blip r:embed="rId2"/>
+          <a:stretch>
+            <a:fillRect/>
+          </a:stretch>
+        </p:blipFill>
+        <p:spPr>
+          <a:xfrm>
+            <a:off x="726141" y="1288676"/>
+            <a:ext cx="7342093" cy="2810436"/>
+          </a:xfrm>
+          <a:prstGeom prst="rect">
+            <a:avLst/>
+          </a:prstGeom>
+        </p:spPr>
+      </p:pic>
+    </p:spTree>
+    <p:extLst>
+      <p:ext uri="{BB962C8B-B14F-4D97-AF65-F5344CB8AC3E}">
+        <p14:creationId xmlns:p14="http://schemas.microsoft.com/office/powerpoint/2010/main" val="934373060"/>
+      </p:ext>
+    </p:extLst>
+  </p:cSld>
+  <p:clrMapOvr>
+    <a:masterClrMapping/>
+  </p:clrMapOvr>
+</p:sld>
+</file>
+
+<file path=ppt/slides/slide2.xml><?xml version="1.0" encoding="utf-8"?>
+<p:sld xmlns:a="http://schemas.openxmlformats.org/drawingml/2006/main" xmlns:r="http://schemas.openxmlformats.org/officeDocument/2006/relationships" xmlns:p="http://schemas.openxmlformats.org/presentationml/2006/main">
+  <p:cSld>
+    <p:spTree>
+      <p:nvGrpSpPr>
+        <p:cNvPr id="1" name=""/>
+        <p:cNvGrpSpPr/>
+        <p:nvPr/>
+      </p:nvGrpSpPr>
+      <p:grpSpPr>
+        <a:xfrm>
+          <a:off x="0" y="0"/>
+          <a:ext cx="0" cy="0"/>
+          <a:chOff x="0" y="0"/>
+          <a:chExt cx="0" cy="0"/>
+        </a:xfrm>
+      </p:grpSpPr>
+      <p:sp>
+        <p:nvSpPr>
+          <p:cNvPr id="2" name="Title 1"/>
+          <p:cNvSpPr>
+            <a:spLocks noGrp="1"/>
+          </p:cNvSpPr>
+          <p:nvPr>
+            <p:ph type="title"/>
+          </p:nvPr>
+        </p:nvSpPr>
+        <p:spPr/>
+        <p:txBody>
+          <a:bodyPr/>
+          <a:lstStyle/>
+          <a:p>
+            <a:r>
+              <a:rPr lang="en-US" dirty="0"/>
+              <a:t>OUTLINE</a:t>
+            </a:r>
+          </a:p>
+        </p:txBody>
+      </p:sp>
+      <p:sp>
+        <p:nvSpPr>
+          <p:cNvPr id="3" name="Content Placeholder 2"/>
+          <p:cNvSpPr>
+            <a:spLocks noGrp="1"/>
+          </p:cNvSpPr>
+          <p:nvPr>
+            <p:ph sz="quarter" idx="1"/>
+          </p:nvPr>
+        </p:nvSpPr>
+        <p:spPr>
+          <a:xfrm>
+            <a:off x="457200" y="1371600"/>
+            <a:ext cx="8229600" cy="3886200"/>
+          </a:xfrm>
+        </p:spPr>
+        <p:txBody>
+          <a:bodyPr>
+            <a:normAutofit/>
+          </a:bodyPr>
+          <a:lstStyle/>
+          <a:p>
+            <a:pPr marL="514350" lvl="0" indent="-514350">
+              <a:buFont typeface="+mj-lt"/>
+              <a:buAutoNum type="arabicPeriod"/>
+            </a:pPr>
+            <a:r>
+              <a:rPr lang="en-US" dirty="0">
+                <a:solidFill>
+                  <a:schemeClr val="tx2"/>
+                </a:solidFill>
+              </a:rPr>
+              <a:t>Introduction</a:t>
+            </a:r>
+          </a:p>
+          <a:p>
+            <a:pPr marL="514350" lvl="0" indent="-514350">
+              <a:buFont typeface="+mj-lt"/>
+              <a:buAutoNum type="arabicPeriod"/>
+            </a:pPr>
+            <a:r>
+              <a:rPr lang="en-US" dirty="0">
+                <a:solidFill>
+                  <a:schemeClr val="tx2"/>
+                </a:solidFill>
+              </a:rPr>
+              <a:t>Tools and Methods for Requirements Analysis</a:t>
+            </a:r>
+          </a:p>
+          <a:p>
+            <a:pPr marL="514350" lvl="0" indent="-514350">
+              <a:buFont typeface="+mj-lt"/>
+              <a:buAutoNum type="arabicPeriod"/>
+            </a:pPr>
+            <a:r>
+              <a:rPr lang="en-US" dirty="0">
+                <a:solidFill>
+                  <a:schemeClr val="tx2"/>
+                </a:solidFill>
+              </a:rPr>
+              <a:t>Categorizing Requirements</a:t>
+            </a:r>
+          </a:p>
+          <a:p>
+            <a:pPr marL="514350" lvl="0" indent="-514350">
+              <a:buFont typeface="+mj-lt"/>
+              <a:buAutoNum type="arabicPeriod"/>
+            </a:pPr>
+            <a:r>
+              <a:rPr lang="en-US" dirty="0">
+                <a:solidFill>
+                  <a:schemeClr val="tx2"/>
+                </a:solidFill>
+              </a:rPr>
+              <a:t>Prioritizing Requirements</a:t>
+            </a:r>
+          </a:p>
+          <a:p>
+            <a:pPr marL="514350" lvl="0" indent="-514350">
+              <a:buFont typeface="+mj-lt"/>
+              <a:buAutoNum type="arabicPeriod"/>
+            </a:pPr>
+            <a:r>
+              <a:rPr lang="en-US" dirty="0">
+                <a:solidFill>
+                  <a:schemeClr val="tx2"/>
+                </a:solidFill>
+              </a:rPr>
+              <a:t>External Interface Requirements</a:t>
+            </a:r>
+          </a:p>
+          <a:p>
+            <a:pPr marL="514350" lvl="0" indent="-514350">
+              <a:buFont typeface="+mj-lt"/>
+              <a:buAutoNum type="arabicPeriod"/>
+            </a:pPr>
+            <a:r>
+              <a:rPr lang="en-US" dirty="0">
+                <a:solidFill>
+                  <a:schemeClr val="tx2"/>
+                </a:solidFill>
+              </a:rPr>
+              <a:t>Validation of Requirements</a:t>
+            </a:r>
+          </a:p>
+          <a:p>
+            <a:pPr marL="514350" lvl="0" indent="-514350">
+              <a:buFont typeface="+mj-lt"/>
+              <a:buAutoNum type="arabicPeriod"/>
+            </a:pPr>
+            <a:endParaRPr lang="en-US" dirty="0">
+              <a:solidFill>
+                <a:schemeClr val="tx2"/>
+              </a:solidFill>
+            </a:endParaRPr>
+          </a:p>
+          <a:p>
+            <a:pPr marL="514350" lvl="0" indent="-514350">
+              <a:buFont typeface="+mj-lt"/>
+              <a:buAutoNum type="arabicPeriod"/>
+            </a:pPr>
+            <a:endParaRPr lang="en-US" dirty="0">
+              <a:solidFill>
+                <a:schemeClr val="tx2"/>
+              </a:solidFill>
+            </a:endParaRPr>
+          </a:p>
+        </p:txBody>
+      </p:sp>
+    </p:spTree>
+    <p:extLst>
+      <p:ext uri="{BB962C8B-B14F-4D97-AF65-F5344CB8AC3E}">
+        <p14:creationId xmlns:p14="http://schemas.microsoft.com/office/powerpoint/2010/main" val="1921917946"/>
+      </p:ext>
+    </p:extLst>
+  </p:cSld>
+  <p:clrMapOvr>
+    <a:masterClrMapping/>
+  </p:clrMapOvr>
+</p:sld>
+</file>
+
+<file path=ppt/slides/slide20.xml><?xml version="1.0" encoding="utf-8"?>
+<p:sld xmlns:a="http://schemas.openxmlformats.org/drawingml/2006/main" xmlns:r="http://schemas.openxmlformats.org/officeDocument/2006/relationships" xmlns:p="http://schemas.openxmlformats.org/presentationml/2006/main">
+  <p:cSld>
+    <p:spTree>
+      <p:nvGrpSpPr>
+        <p:cNvPr id="1" name=""/>
+        <p:cNvGrpSpPr/>
+        <p:nvPr/>
+      </p:nvGrpSpPr>
+      <p:grpSpPr>
+        <a:xfrm>
+          <a:off x="0" y="0"/>
+          <a:ext cx="0" cy="0"/>
+          <a:chOff x="0" y="0"/>
+          <a:chExt cx="0" cy="0"/>
+        </a:xfrm>
+      </p:grpSpPr>
+      <p:sp>
+        <p:nvSpPr>
+          <p:cNvPr id="2" name="Title 1">
+            <a:extLst>
+              <a:ext uri="{FF2B5EF4-FFF2-40B4-BE49-F238E27FC236}">
+                <a16:creationId xmlns:a16="http://schemas.microsoft.com/office/drawing/2014/main" id="{8A16C985-0F5E-1A7D-C4B0-2E326F6D3BB6}"/>
+              </a:ext>
+            </a:extLst>
+          </p:cNvPr>
+          <p:cNvSpPr>
+            <a:spLocks noGrp="1"/>
+          </p:cNvSpPr>
+          <p:nvPr>
+            <p:ph type="title"/>
+          </p:nvPr>
+        </p:nvSpPr>
+        <p:spPr/>
+        <p:txBody>
+          <a:bodyPr/>
+          <a:lstStyle/>
+          <a:p>
+            <a:r>
+              <a:rPr lang="en-US" dirty="0"/>
+              <a:t>ALERT NOTIFICATION SYSEMS</a:t>
+            </a:r>
+          </a:p>
+        </p:txBody>
+      </p:sp>
+      <p:sp>
+        <p:nvSpPr>
+          <p:cNvPr id="3" name="Content Placeholder 2">
+            <a:extLst>
+              <a:ext uri="{FF2B5EF4-FFF2-40B4-BE49-F238E27FC236}">
+                <a16:creationId xmlns:a16="http://schemas.microsoft.com/office/drawing/2014/main" id="{D5A4F249-2894-8D56-096D-F70048614E08}"/>
+              </a:ext>
+            </a:extLst>
+          </p:cNvPr>
+          <p:cNvSpPr>
+            <a:spLocks noGrp="1"/>
+          </p:cNvSpPr>
+          <p:nvPr>
+            <p:ph sz="quarter" idx="1"/>
+          </p:nvPr>
+        </p:nvSpPr>
+        <p:spPr>
+          <a:xfrm>
+            <a:off x="322730" y="1277470"/>
+            <a:ext cx="8229600" cy="2337995"/>
+          </a:xfrm>
+        </p:spPr>
+        <p:txBody>
+          <a:bodyPr>
+            <a:normAutofit/>
+          </a:bodyPr>
+          <a:lstStyle/>
+          <a:p>
+            <a:pPr>
+              <a:lnSpc>
+                <a:spcPct val="150000"/>
+              </a:lnSpc>
+            </a:pPr>
+            <a:r>
+              <a:rPr lang="en-US" sz="2000" b="1" dirty="0">
+                <a:effectLst/>
+                <a:latin typeface="Times New Roman" panose="02020603050405020304" pitchFamily="18" charset="0"/>
+                <a:ea typeface="Times New Roman" panose="02020603050405020304" pitchFamily="18" charset="0"/>
+              </a:rPr>
+              <a:t>Alert Notification Systems:</a:t>
+            </a:r>
+            <a:r>
+              <a:rPr lang="en-US" sz="2000" dirty="0">
+                <a:effectLst/>
+                <a:latin typeface="Times New Roman" panose="02020603050405020304" pitchFamily="18" charset="0"/>
+                <a:ea typeface="Times New Roman" panose="02020603050405020304" pitchFamily="18" charset="0"/>
+              </a:rPr>
+              <a:t> The application might interface with existing emergency alert notification systems to receive and disseminate critical information like weather warnings and evacuation orders</a:t>
+            </a:r>
+            <a:endParaRPr lang="en-US" sz="2800" dirty="0"/>
+          </a:p>
+        </p:txBody>
+      </p:sp>
+      <p:pic>
+        <p:nvPicPr>
+          <p:cNvPr id="5" name="Picture 4">
+            <a:extLst>
+              <a:ext uri="{FF2B5EF4-FFF2-40B4-BE49-F238E27FC236}">
+                <a16:creationId xmlns:a16="http://schemas.microsoft.com/office/drawing/2014/main" id="{F7732E5D-165F-FFB4-3417-55D0C7083F4E}"/>
+              </a:ext>
+            </a:extLst>
+          </p:cNvPr>
+          <p:cNvPicPr>
+            <a:picLocks noChangeAspect="1"/>
+          </p:cNvPicPr>
+          <p:nvPr/>
+        </p:nvPicPr>
+        <p:blipFill>
+          <a:blip r:embed="rId2"/>
+          <a:stretch>
+            <a:fillRect/>
+          </a:stretch>
+        </p:blipFill>
+        <p:spPr>
+          <a:xfrm>
+            <a:off x="591670" y="2985247"/>
+            <a:ext cx="7839636" cy="3059893"/>
+          </a:xfrm>
+          <a:prstGeom prst="rect">
+            <a:avLst/>
+          </a:prstGeom>
+        </p:spPr>
+      </p:pic>
+    </p:spTree>
+    <p:extLst>
+      <p:ext uri="{BB962C8B-B14F-4D97-AF65-F5344CB8AC3E}">
+        <p14:creationId xmlns:p14="http://schemas.microsoft.com/office/powerpoint/2010/main" val="1918377983"/>
+      </p:ext>
+    </p:extLst>
+  </p:cSld>
+  <p:clrMapOvr>
+    <a:masterClrMapping/>
+  </p:clrMapOvr>
+</p:sld>
+</file>
+
+<file path=ppt/slides/slide21.xml><?xml version="1.0" encoding="utf-8"?>
+<p:sld xmlns:a="http://schemas.openxmlformats.org/drawingml/2006/main" xmlns:r="http://schemas.openxmlformats.org/officeDocument/2006/relationships" xmlns:p="http://schemas.openxmlformats.org/presentationml/2006/main">
+  <p:cSld>
+    <p:spTree>
+      <p:nvGrpSpPr>
+        <p:cNvPr id="1" name=""/>
+        <p:cNvGrpSpPr/>
+        <p:nvPr/>
+      </p:nvGrpSpPr>
+      <p:grpSpPr>
+        <a:xfrm>
+          <a:off x="0" y="0"/>
+          <a:ext cx="0" cy="0"/>
+          <a:chOff x="0" y="0"/>
+          <a:chExt cx="0" cy="0"/>
+        </a:xfrm>
+      </p:grpSpPr>
+      <p:sp>
+        <p:nvSpPr>
+          <p:cNvPr id="2" name="Title 1">
+            <a:extLst>
+              <a:ext uri="{FF2B5EF4-FFF2-40B4-BE49-F238E27FC236}">
+                <a16:creationId xmlns:a16="http://schemas.microsoft.com/office/drawing/2014/main" id="{C6EEA1B6-412B-AAA7-896F-E3A9766550F5}"/>
+              </a:ext>
+            </a:extLst>
+          </p:cNvPr>
+          <p:cNvSpPr>
+            <a:spLocks noGrp="1"/>
+          </p:cNvSpPr>
+          <p:nvPr>
+            <p:ph type="title"/>
+          </p:nvPr>
+        </p:nvSpPr>
+        <p:spPr/>
+        <p:txBody>
+          <a:bodyPr/>
+          <a:lstStyle/>
+          <a:p>
+            <a:r>
+              <a:rPr lang="en-US" dirty="0"/>
+              <a:t>  </a:t>
+            </a:r>
+          </a:p>
+        </p:txBody>
+      </p:sp>
+      <p:sp>
+        <p:nvSpPr>
+          <p:cNvPr id="3" name="Content Placeholder 2">
+            <a:extLst>
+              <a:ext uri="{FF2B5EF4-FFF2-40B4-BE49-F238E27FC236}">
+                <a16:creationId xmlns:a16="http://schemas.microsoft.com/office/drawing/2014/main" id="{16F2201A-9BD5-57F9-26F6-E7BFF36DEA86}"/>
+              </a:ext>
+            </a:extLst>
+          </p:cNvPr>
+          <p:cNvSpPr>
+            <a:spLocks noGrp="1"/>
+          </p:cNvSpPr>
+          <p:nvPr>
+            <p:ph sz="quarter" idx="1"/>
+          </p:nvPr>
+        </p:nvSpPr>
+        <p:spPr/>
+        <p:txBody>
+          <a:bodyPr/>
+          <a:lstStyle/>
+          <a:p>
+            <a:pPr marL="342900" marR="0" lvl="0" indent="-342900">
+              <a:lnSpc>
+                <a:spcPct val="150000"/>
+              </a:lnSpc>
+              <a:spcBef>
+                <a:spcPts val="0"/>
+              </a:spcBef>
+              <a:spcAft>
+                <a:spcPts val="800"/>
+              </a:spcAft>
+              <a:buSzPts val="1000"/>
+              <a:buFont typeface="Symbol" panose="05050102010706020507" pitchFamily="18" charset="2"/>
+              <a:buChar char=""/>
+              <a:tabLst>
+                <a:tab pos="457200" algn="l"/>
+              </a:tabLst>
+            </a:pPr>
+            <a:r>
+              <a:rPr lang="en-US" sz="2000" b="1" dirty="0">
+                <a:effectLst/>
+                <a:latin typeface="Times New Roman" panose="02020603050405020304" pitchFamily="18" charset="0"/>
+                <a:ea typeface="Times New Roman" panose="02020603050405020304" pitchFamily="18" charset="0"/>
+              </a:rPr>
+              <a:t>Data Management Systems:</a:t>
+            </a:r>
+            <a:r>
+              <a:rPr lang="en-US" sz="2000" dirty="0">
+                <a:effectLst/>
+                <a:latin typeface="Times New Roman" panose="02020603050405020304" pitchFamily="18" charset="0"/>
+                <a:ea typeface="Times New Roman" panose="02020603050405020304" pitchFamily="18" charset="0"/>
+              </a:rPr>
+              <a:t> Integration with government databases or disaster management agency systems could facilitate the exchange of information on resource availability, volunteer registration, and damage assessments.</a:t>
+            </a:r>
+            <a:endParaRPr lang="en-US" sz="2000" dirty="0">
+              <a:effectLst/>
+              <a:latin typeface="Calibri" panose="020F0502020204030204" pitchFamily="34" charset="0"/>
+              <a:ea typeface="Calibri" panose="020F0502020204030204" pitchFamily="34" charset="0"/>
+            </a:endParaRPr>
+          </a:p>
+          <a:p>
+            <a:pPr marL="342900" marR="0" lvl="0" indent="-342900">
+              <a:lnSpc>
+                <a:spcPct val="150000"/>
+              </a:lnSpc>
+              <a:spcBef>
+                <a:spcPts val="0"/>
+              </a:spcBef>
+              <a:spcAft>
+                <a:spcPts val="800"/>
+              </a:spcAft>
+              <a:buSzPts val="1000"/>
+              <a:buFont typeface="Symbol" panose="05050102010706020507" pitchFamily="18" charset="2"/>
+              <a:buChar char=""/>
+              <a:tabLst>
+                <a:tab pos="457200" algn="l"/>
+              </a:tabLst>
+            </a:pPr>
+            <a:r>
+              <a:rPr lang="en-US" sz="2000" b="1" dirty="0">
+                <a:effectLst/>
+                <a:latin typeface="Times New Roman" panose="02020603050405020304" pitchFamily="18" charset="0"/>
+                <a:ea typeface="Times New Roman" panose="02020603050405020304" pitchFamily="18" charset="0"/>
+              </a:rPr>
+              <a:t>Social Media Platforms:</a:t>
+            </a:r>
+            <a:r>
+              <a:rPr lang="en-US" sz="2000" dirty="0">
+                <a:effectLst/>
+                <a:latin typeface="Times New Roman" panose="02020603050405020304" pitchFamily="18" charset="0"/>
+                <a:ea typeface="Times New Roman" panose="02020603050405020304" pitchFamily="18" charset="0"/>
+              </a:rPr>
+              <a:t> Integration with social media platforms can enhance community engagement by allowing users to share information and updates during disasters. However, this integration should be implemented with strict data privacy considerations.</a:t>
+            </a:r>
+            <a:endParaRPr lang="en-US" sz="2000" dirty="0">
+              <a:effectLst/>
+              <a:latin typeface="Calibri" panose="020F0502020204030204" pitchFamily="34" charset="0"/>
+              <a:ea typeface="Calibri" panose="020F0502020204030204" pitchFamily="34" charset="0"/>
+            </a:endParaRPr>
+          </a:p>
+          <a:p>
+            <a:endParaRPr lang="en-US" dirty="0"/>
+          </a:p>
+        </p:txBody>
+      </p:sp>
+    </p:spTree>
+    <p:extLst>
+      <p:ext uri="{BB962C8B-B14F-4D97-AF65-F5344CB8AC3E}">
+        <p14:creationId xmlns:p14="http://schemas.microsoft.com/office/powerpoint/2010/main" val="3043510477"/>
+      </p:ext>
+    </p:extLst>
+  </p:cSld>
+  <p:clrMapOvr>
+    <a:masterClrMapping/>
+  </p:clrMapOvr>
+</p:sld>
+</file>
+
+<file path=ppt/slides/slide22.xml><?xml version="1.0" encoding="utf-8"?>
+<p:sld xmlns:a="http://schemas.openxmlformats.org/drawingml/2006/main" xmlns:r="http://schemas.openxmlformats.org/officeDocument/2006/relationships" xmlns:p="http://schemas.openxmlformats.org/presentationml/2006/main">
+  <p:cSld>
+    <p:spTree>
+      <p:nvGrpSpPr>
+        <p:cNvPr id="1" name=""/>
+        <p:cNvGrpSpPr/>
+        <p:nvPr/>
+      </p:nvGrpSpPr>
+      <p:grpSpPr>
+        <a:xfrm>
+          <a:off x="0" y="0"/>
+          <a:ext cx="0" cy="0"/>
+          <a:chOff x="0" y="0"/>
+          <a:chExt cx="0" cy="0"/>
+        </a:xfrm>
+      </p:grpSpPr>
+      <p:sp>
+        <p:nvSpPr>
+          <p:cNvPr id="2" name="Title 1"/>
+          <p:cNvSpPr>
+            <a:spLocks noGrp="1"/>
+          </p:cNvSpPr>
+          <p:nvPr>
+            <p:ph type="title"/>
+          </p:nvPr>
+        </p:nvSpPr>
+        <p:spPr/>
+        <p:txBody>
+          <a:bodyPr/>
+          <a:lstStyle/>
+          <a:p>
+            <a:r>
+              <a:rPr lang="en-US" dirty="0"/>
               <a:t>5. VALIDATION OF REQUIREMENTS</a:t>
             </a:r>
           </a:p>
@@ -4884,35 +6361,14 @@
             <a:pPr marL="0" indent="0">
               <a:buNone/>
             </a:pPr>
-            <a:r>
-              <a:rPr lang="en-US" sz="2800" dirty="0" smtClean="0">
-                <a:solidFill>
-                  <a:schemeClr val="tx2"/>
-                </a:solidFill>
-              </a:rPr>
-              <a:t>Through </a:t>
-            </a:r>
             <a:r>
               <a:rPr lang="en-US" sz="2800" dirty="0">
                 <a:solidFill>
                   <a:schemeClr val="tx2"/>
                 </a:solidFill>
               </a:rPr>
-              <a:t>rigorous validation, we ensure we are building the correct system, as opposed to simply building a system correctly</a:t>
-            </a:r>
-            <a:r>
-              <a:rPr lang="en-US" sz="2800" dirty="0" smtClean="0">
-                <a:solidFill>
-                  <a:schemeClr val="tx2"/>
-                </a:solidFill>
-              </a:rPr>
-              <a:t>.</a:t>
-            </a:r>
-            <a:endParaRPr lang="en-US" sz="2800" dirty="0">
-              <a:solidFill>
-                <a:schemeClr val="tx2"/>
-              </a:solidFill>
-            </a:endParaRPr>
+              <a:t>Through rigorous validation, we ensure we are building the correct system, as opposed to simply building a system correctly.</a:t>
+            </a:r>
           </a:p>
         </p:txBody>
       </p:sp>
@@ -4983,7 +6439,7 @@
 </p:sld>
 </file>
 
-<file path=ppt/slides/slide14.xml><?xml version="1.0" encoding="utf-8"?>
+<file path=ppt/slides/slide23.xml><?xml version="1.0" encoding="utf-8"?>
 <p:sld xmlns:a="http://schemas.openxmlformats.org/drawingml/2006/main" xmlns:r="http://schemas.openxmlformats.org/officeDocument/2006/relationships" xmlns:p="http://schemas.openxmlformats.org/presentationml/2006/main">
   <p:cSld>
     <p:spTree>
@@ -5018,18 +6474,9 @@
           <a:lstStyle/>
           <a:p>
             <a:r>
-              <a:rPr lang="en-US" dirty="0" smtClean="0"/>
-              <a:t>Requirements </a:t>
-            </a:r>
-            <a:r>
               <a:rPr lang="en-US" dirty="0"/>
-              <a:t>Validation </a:t>
-            </a:r>
-            <a:r>
-              <a:rPr lang="en-US" dirty="0" smtClean="0"/>
-              <a:t>Checks</a:t>
-            </a:r>
-            <a:endParaRPr lang="en-US" dirty="0"/>
+              <a:t>Requirements Validation Checks</a:t>
+            </a:r>
           </a:p>
         </p:txBody>
       </p:sp>
@@ -5052,21 +6499,13 @@
               <a:buFont typeface="+mj-lt"/>
               <a:buAutoNum type="arabicPeriod"/>
             </a:pPr>
-            <a:r>
-              <a:rPr lang="en-US" sz="3200" dirty="0" smtClean="0">
-                <a:solidFill>
-                  <a:schemeClr val="tx2"/>
-                </a:solidFill>
-              </a:rPr>
-              <a:t>Completeness </a:t>
-            </a:r>
             <a:r>
               <a:rPr lang="en-US" sz="3200" dirty="0">
                 <a:solidFill>
                   <a:schemeClr val="tx2"/>
                 </a:solidFill>
               </a:rPr>
-              <a:t>Check</a:t>
+              <a:t>Completeness Check</a:t>
             </a:r>
           </a:p>
           <a:p>
@@ -5143,7 +6582,7 @@
 </p:sld>
 </file>
 
-<file path=ppt/slides/slide15.xml><?xml version="1.0" encoding="utf-8"?>
+<file path=ppt/slides/slide24.xml><?xml version="1.0" encoding="utf-8"?>
 <p:sld xmlns:a="http://schemas.openxmlformats.org/drawingml/2006/main" xmlns:r="http://schemas.openxmlformats.org/officeDocument/2006/relationships" xmlns:p="http://schemas.openxmlformats.org/presentationml/2006/main">
   <p:cSld>
     <p:spTree>
@@ -5209,15 +6648,7 @@
                   <a:schemeClr val="tx2"/>
                 </a:solidFill>
               </a:rPr>
-              <a:t>Reviewing the </a:t>
-            </a:r>
-            <a:r>
-              <a:rPr lang="en-US" sz="3200" dirty="0" smtClean="0">
-                <a:solidFill>
-                  <a:schemeClr val="tx2"/>
-                </a:solidFill>
-              </a:rPr>
-              <a:t>Requirements</a:t>
+              <a:t>Reviewing the Requirements</a:t>
             </a:r>
           </a:p>
           <a:p>
@@ -5226,7 +6657,7 @@
               <a:buAutoNum type="arabicPeriod"/>
             </a:pPr>
             <a:r>
-              <a:rPr lang="en-US" sz="3200" dirty="0" smtClean="0">
+              <a:rPr lang="en-US" sz="3200" dirty="0">
                 <a:solidFill>
                   <a:schemeClr val="tx2"/>
                 </a:solidFill>
@@ -5240,7 +6671,7 @@
               <a:buAutoNum type="arabicPeriod"/>
             </a:pPr>
             <a:r>
-              <a:rPr lang="en-US" sz="3200" dirty="0" smtClean="0">
+              <a:rPr lang="en-US" sz="3200" dirty="0">
                 <a:solidFill>
                   <a:schemeClr val="tx2"/>
                 </a:solidFill>
@@ -5254,28 +6685,12 @@
               <a:buAutoNum type="arabicPeriod"/>
             </a:pPr>
             <a:r>
-              <a:rPr lang="en-US" sz="3200" dirty="0" smtClean="0">
-                <a:solidFill>
-                  <a:schemeClr val="tx2"/>
-                </a:solidFill>
-              </a:rPr>
-              <a:t>Test </a:t>
-            </a:r>
-            <a:r>
               <a:rPr lang="en-US" sz="3200" dirty="0">
                 <a:solidFill>
                   <a:schemeClr val="tx2"/>
                 </a:solidFill>
               </a:rPr>
-              <a:t>Case </a:t>
-            </a:r>
-            <a:r>
-              <a:rPr lang="en-US" sz="3200" dirty="0" smtClean="0">
-                <a:solidFill>
-                  <a:schemeClr val="tx2"/>
-                </a:solidFill>
-              </a:rPr>
-              <a:t>Generation</a:t>
+              <a:t>Test Case Generation</a:t>
             </a:r>
           </a:p>
           <a:p>
@@ -5284,18 +6699,13 @@
               <a:buAutoNum type="arabicPeriod"/>
             </a:pPr>
             <a:r>
-              <a:rPr lang="en-US" sz="3200" dirty="0" smtClean="0">
+              <a:rPr lang="en-US" sz="3200" dirty="0">
                 <a:solidFill>
                   <a:schemeClr val="tx2"/>
                 </a:solidFill>
               </a:rPr>
               <a:t>Walkthrough</a:t>
             </a:r>
-            <a:endParaRPr lang="en-US" sz="3200" dirty="0">
-              <a:solidFill>
-                <a:schemeClr val="tx2"/>
-              </a:solidFill>
-            </a:endParaRPr>
           </a:p>
         </p:txBody>
       </p:sp>
@@ -5312,7 +6722,7 @@
 </p:sld>
 </file>
 
-<file path=ppt/slides/slide16.xml><?xml version="1.0" encoding="utf-8"?>
+<file path=ppt/slides/slide25.xml><?xml version="1.0" encoding="utf-8"?>
 <p:sld xmlns:a="http://schemas.openxmlformats.org/drawingml/2006/main" xmlns:r="http://schemas.openxmlformats.org/officeDocument/2006/relationships" xmlns:p="http://schemas.openxmlformats.org/presentationml/2006/main">
   <p:cSld>
     <p:spTree>
@@ -5365,196 +6775,6 @@
     <p:extLst>
       <p:ext uri="{BB962C8B-B14F-4D97-AF65-F5344CB8AC3E}">
         <p14:creationId xmlns:p14="http://schemas.microsoft.com/office/powerpoint/2010/main" val="3796263381"/>
-      </p:ext>
-    </p:extLst>
-  </p:cSld>
-  <p:clrMapOvr>
-    <a:masterClrMapping/>
-  </p:clrMapOvr>
-</p:sld>
-</file>
-
-<file path=ppt/slides/slide2.xml><?xml version="1.0" encoding="utf-8"?>
-<p:sld xmlns:a="http://schemas.openxmlformats.org/drawingml/2006/main" xmlns:r="http://schemas.openxmlformats.org/officeDocument/2006/relationships" xmlns:p="http://schemas.openxmlformats.org/presentationml/2006/main">
-  <p:cSld>
-    <p:spTree>
-      <p:nvGrpSpPr>
-        <p:cNvPr id="1" name=""/>
-        <p:cNvGrpSpPr/>
-        <p:nvPr/>
-      </p:nvGrpSpPr>
-      <p:grpSpPr>
-        <a:xfrm>
-          <a:off x="0" y="0"/>
-          <a:ext cx="0" cy="0"/>
-          <a:chOff x="0" y="0"/>
-          <a:chExt cx="0" cy="0"/>
-        </a:xfrm>
-      </p:grpSpPr>
-      <p:sp>
-        <p:nvSpPr>
-          <p:cNvPr id="2" name="Title 1"/>
-          <p:cNvSpPr>
-            <a:spLocks noGrp="1"/>
-          </p:cNvSpPr>
-          <p:nvPr>
-            <p:ph type="title"/>
-          </p:nvPr>
-        </p:nvSpPr>
-        <p:spPr/>
-        <p:txBody>
-          <a:bodyPr/>
-          <a:lstStyle/>
-          <a:p>
-            <a:r>
-              <a:rPr lang="en-US" dirty="0"/>
-              <a:t>OUTLINE</a:t>
-            </a:r>
-          </a:p>
-        </p:txBody>
-      </p:sp>
-      <p:sp>
-        <p:nvSpPr>
-          <p:cNvPr id="3" name="Content Placeholder 2"/>
-          <p:cNvSpPr>
-            <a:spLocks noGrp="1"/>
-          </p:cNvSpPr>
-          <p:nvPr>
-            <p:ph sz="quarter" idx="1"/>
-          </p:nvPr>
-        </p:nvSpPr>
-        <p:spPr>
-          <a:xfrm>
-            <a:off x="457200" y="1371600"/>
-            <a:ext cx="8229600" cy="3886200"/>
-          </a:xfrm>
-        </p:spPr>
-        <p:txBody>
-          <a:bodyPr>
-            <a:normAutofit/>
-          </a:bodyPr>
-          <a:lstStyle/>
-          <a:p>
-            <a:pPr marL="514350" lvl="0" indent="-514350">
-              <a:buFont typeface="+mj-lt"/>
-              <a:buAutoNum type="arabicPeriod"/>
-            </a:pPr>
-            <a:r>
-              <a:rPr lang="en-US" dirty="0" smtClean="0">
-                <a:solidFill>
-                  <a:schemeClr val="tx2"/>
-                </a:solidFill>
-              </a:rPr>
-              <a:t>Introduction</a:t>
-            </a:r>
-          </a:p>
-          <a:p>
-            <a:pPr marL="514350" lvl="0" indent="-514350">
-              <a:buFont typeface="+mj-lt"/>
-              <a:buAutoNum type="arabicPeriod"/>
-            </a:pPr>
-            <a:r>
-              <a:rPr lang="en-US" dirty="0" smtClean="0">
-                <a:solidFill>
-                  <a:schemeClr val="tx2"/>
-                </a:solidFill>
-              </a:rPr>
-              <a:t>Tools and Methods for Requirements Analysis</a:t>
-            </a:r>
-            <a:endParaRPr lang="en-US" dirty="0" smtClean="0">
-              <a:solidFill>
-                <a:schemeClr val="tx2"/>
-              </a:solidFill>
-            </a:endParaRPr>
-          </a:p>
-          <a:p>
-            <a:pPr marL="514350" lvl="0" indent="-514350">
-              <a:buFont typeface="+mj-lt"/>
-              <a:buAutoNum type="arabicPeriod"/>
-            </a:pPr>
-            <a:r>
-              <a:rPr lang="en-US" dirty="0" smtClean="0">
-                <a:solidFill>
-                  <a:schemeClr val="tx2"/>
-                </a:solidFill>
-              </a:rPr>
-              <a:t>Categorizing Requirements</a:t>
-            </a:r>
-            <a:endParaRPr lang="en-US" dirty="0" smtClean="0">
-              <a:solidFill>
-                <a:schemeClr val="tx2"/>
-              </a:solidFill>
-            </a:endParaRPr>
-          </a:p>
-          <a:p>
-            <a:pPr marL="514350" lvl="0" indent="-514350">
-              <a:buFont typeface="+mj-lt"/>
-              <a:buAutoNum type="arabicPeriod"/>
-            </a:pPr>
-            <a:r>
-              <a:rPr lang="en-US" dirty="0" smtClean="0">
-                <a:solidFill>
-                  <a:schemeClr val="tx2"/>
-                </a:solidFill>
-              </a:rPr>
-              <a:t>Prioritizing Requirements</a:t>
-            </a:r>
-            <a:endParaRPr lang="en-US" dirty="0" smtClean="0">
-              <a:solidFill>
-                <a:schemeClr val="tx2"/>
-              </a:solidFill>
-            </a:endParaRPr>
-          </a:p>
-          <a:p>
-            <a:pPr marL="514350" lvl="0" indent="-514350">
-              <a:buFont typeface="+mj-lt"/>
-              <a:buAutoNum type="arabicPeriod"/>
-            </a:pPr>
-            <a:r>
-              <a:rPr lang="en-US" dirty="0" smtClean="0">
-                <a:solidFill>
-                  <a:schemeClr val="tx2"/>
-                </a:solidFill>
-              </a:rPr>
-              <a:t>Validation of Requirements</a:t>
-            </a:r>
-          </a:p>
-          <a:p>
-            <a:pPr marL="514350" lvl="0" indent="-514350">
-              <a:buFont typeface="+mj-lt"/>
-              <a:buAutoNum type="arabicPeriod"/>
-            </a:pPr>
-            <a:r>
-              <a:rPr lang="en-US" dirty="0" smtClean="0">
-                <a:solidFill>
-                  <a:schemeClr val="tx2"/>
-                </a:solidFill>
-              </a:rPr>
-              <a:t>SRS Documentation</a:t>
-            </a:r>
-            <a:endParaRPr lang="en-US" dirty="0" smtClean="0">
-              <a:solidFill>
-                <a:schemeClr val="tx2"/>
-              </a:solidFill>
-            </a:endParaRPr>
-          </a:p>
-          <a:p>
-            <a:pPr marL="514350" lvl="0" indent="-514350">
-              <a:buFont typeface="+mj-lt"/>
-              <a:buAutoNum type="arabicPeriod"/>
-            </a:pPr>
-            <a:endParaRPr lang="en-US" dirty="0">
-              <a:solidFill>
-                <a:schemeClr val="tx2"/>
-              </a:solidFill>
-            </a:endParaRPr>
-          </a:p>
-        </p:txBody>
-      </p:sp>
-    </p:spTree>
-    <p:extLst>
-      <p:ext uri="{BB962C8B-B14F-4D97-AF65-F5344CB8AC3E}">
-        <p14:creationId xmlns:p14="http://schemas.microsoft.com/office/powerpoint/2010/main" val="1921917946"/>
       </p:ext>
     </p:extLst>
   </p:cSld>
@@ -5597,10 +6817,9 @@
           <a:lstStyle/>
           <a:p>
             <a:r>
-              <a:rPr lang="en-US" dirty="0" smtClean="0"/>
+              <a:rPr lang="en-US" dirty="0"/>
               <a:t>1. INTRODUCTION</a:t>
             </a:r>
-            <a:endParaRPr lang="en-US" dirty="0"/>
           </a:p>
         </p:txBody>
       </p:sp>
@@ -5621,51 +6840,14 @@
           </a:bodyPr>
           <a:lstStyle/>
           <a:p>
-            <a:r>
-              <a:rPr lang="en-US" dirty="0" smtClean="0">
-                <a:solidFill>
-                  <a:schemeClr val="tx2"/>
-                </a:solidFill>
-              </a:rPr>
-              <a:t>In the requirements </a:t>
-            </a:r>
             <a:r>
               <a:rPr lang="en-US" dirty="0">
                 <a:solidFill>
                   <a:schemeClr val="tx2"/>
                 </a:solidFill>
               </a:rPr>
-              <a:t>analysis phase </a:t>
-            </a:r>
-            <a:r>
-              <a:rPr lang="en-US" dirty="0" smtClean="0">
-                <a:solidFill>
-                  <a:schemeClr val="tx2"/>
-                </a:solidFill>
-              </a:rPr>
-              <a:t>the </a:t>
-            </a:r>
-            <a:r>
-              <a:rPr lang="en-US" dirty="0">
-                <a:solidFill>
-                  <a:schemeClr val="tx2"/>
-                </a:solidFill>
-              </a:rPr>
-              <a:t>project team works closely with stakeholders to gather, document, and analyze the needs and expectations for the software system to be developed</a:t>
-            </a:r>
-            <a:r>
-              <a:rPr lang="en-US" dirty="0" smtClean="0">
-                <a:solidFill>
-                  <a:schemeClr val="tx2"/>
-                </a:solidFill>
-              </a:rPr>
-              <a:t>.</a:t>
-            </a:r>
-            <a:endParaRPr lang="en-US" dirty="0">
-              <a:solidFill>
-                <a:schemeClr val="tx2"/>
-              </a:solidFill>
-            </a:endParaRPr>
+              <a:t>In the requirements analysis phase the project team works closely with stakeholders to gather, document, and analyze the needs and expectations for the software system to be developed.</a:t>
+            </a:r>
           </a:p>
           <a:p>
             <a:pPr marL="0" indent="0">
@@ -5684,21 +6866,8 @@
                   <a:schemeClr val="tx2"/>
                 </a:solidFill>
               </a:rPr>
-              <a:t>By the end of </a:t>
-            </a:r>
-            <a:r>
-              <a:rPr lang="en-US" dirty="0" smtClean="0">
-                <a:solidFill>
-                  <a:schemeClr val="tx2"/>
-                </a:solidFill>
-              </a:rPr>
-              <a:t>this phase, the project team will be clear on what to focus on during the development and what our system sets out to achieve.</a:t>
-            </a:r>
-            <a:endParaRPr lang="en-US" dirty="0">
-              <a:solidFill>
-                <a:schemeClr val="tx2"/>
-              </a:solidFill>
-            </a:endParaRPr>
+              <a:t>By the end of this phase, the project team will be clear on what to focus on during the development and what our system sets out to achieve.</a:t>
+            </a:r>
           </a:p>
         </p:txBody>
       </p:sp>
@@ -5742,7 +6911,12 @@
             <p:ph type="title"/>
           </p:nvPr>
         </p:nvSpPr>
-        <p:spPr/>
+        <p:spPr>
+          <a:xfrm>
+            <a:off x="363071" y="192741"/>
+            <a:ext cx="8229600" cy="990600"/>
+          </a:xfrm>
+        </p:spPr>
         <p:txBody>
           <a:bodyPr>
             <a:normAutofit fontScale="90000"/>
@@ -5751,13 +6925,8 @@
           <a:p>
             <a:r>
               <a:rPr lang="en-US" dirty="0"/>
-              <a:t>2</a:t>
-            </a:r>
-            <a:r>
-              <a:rPr lang="en-US" dirty="0" smtClean="0"/>
-              <a:t>. TOOLS AND METHODS FOR ANALYSIS</a:t>
-            </a:r>
-            <a:endParaRPr lang="en-US" dirty="0"/>
+              <a:t>2. TOOLS AND METHODS FOR ANALYSIS</a:t>
+            </a:r>
           </a:p>
         </p:txBody>
       </p:sp>
@@ -5771,32 +6940,59 @@
             <p:ph sz="quarter" idx="1"/>
           </p:nvPr>
         </p:nvSpPr>
-        <p:spPr/>
+        <p:spPr>
+          <a:xfrm>
+            <a:off x="457200" y="4141694"/>
+            <a:ext cx="7987553" cy="2232211"/>
+          </a:xfrm>
+        </p:spPr>
         <p:txBody>
           <a:bodyPr>
             <a:normAutofit/>
           </a:bodyPr>
           <a:lstStyle/>
           <a:p>
-            <a:r>
-              <a:rPr lang="en-US" dirty="0" smtClean="0">
-                <a:solidFill>
-                  <a:schemeClr val="tx2"/>
-                </a:solidFill>
-              </a:rPr>
-              <a:t>In this step, we set out to find insights </a:t>
-            </a:r>
             <a:r>
               <a:rPr lang="en-US" dirty="0">
                 <a:solidFill>
                   <a:schemeClr val="tx2"/>
                 </a:solidFill>
               </a:rPr>
-              <a:t>into the key techniques and tools used in requirement analysis, equipping readers with the knowledge needed to effectively navigate this crucial aspect of project management.</a:t>
-            </a:r>
-          </a:p>
-        </p:txBody>
-      </p:sp>
+              <a:t>In this step, we set out to find insights into the key techniques and tools used in requirement analysis, equipping readers with the knowledge needed to effectively navigate this crucial aspect of project management.</a:t>
+            </a:r>
+          </a:p>
+        </p:txBody>
+      </p:sp>
+      <p:pic>
+        <p:nvPicPr>
+          <p:cNvPr id="5" name="Picture 4">
+            <a:extLst>
+              <a:ext uri="{FF2B5EF4-FFF2-40B4-BE49-F238E27FC236}">
+                <a16:creationId xmlns:a16="http://schemas.microsoft.com/office/drawing/2014/main" id="{93B64FCB-F157-261A-60DC-D745233D07CC}"/>
+              </a:ext>
+            </a:extLst>
+          </p:cNvPr>
+          <p:cNvPicPr>
+            <a:picLocks noChangeAspect="1"/>
+          </p:cNvPicPr>
+          <p:nvPr/>
+        </p:nvPicPr>
+        <p:blipFill>
+          <a:blip r:embed="rId2"/>
+          <a:stretch>
+            <a:fillRect/>
+          </a:stretch>
+        </p:blipFill>
+        <p:spPr>
+          <a:xfrm>
+            <a:off x="1459006" y="1183341"/>
+            <a:ext cx="6225988" cy="2792505"/>
+          </a:xfrm>
+          <a:prstGeom prst="rect">
+            <a:avLst/>
+          </a:prstGeom>
+        </p:spPr>
+      </p:pic>
     </p:spTree>
     <p:extLst>
       <p:ext uri="{BB962C8B-B14F-4D97-AF65-F5344CB8AC3E}">
@@ -5843,29 +7039,103 @@
           <a:lstStyle/>
           <a:p>
             <a:r>
-              <a:rPr lang="en-US" dirty="0" smtClean="0"/>
+              <a:rPr lang="en-US" dirty="0"/>
               <a:t>I. GOOGLE FORMS</a:t>
             </a:r>
-            <a:endParaRPr lang="en-US" dirty="0"/>
-          </a:p>
-        </p:txBody>
-      </p:sp>
-      <p:sp>
-        <p:nvSpPr>
-          <p:cNvPr id="3" name="Content Placeholder 2"/>
-          <p:cNvSpPr>
-            <a:spLocks noGrp="1"/>
-          </p:cNvSpPr>
+          </a:p>
+        </p:txBody>
+      </p:sp>
+      <p:pic>
+        <p:nvPicPr>
+          <p:cNvPr id="5" name="Content Placeholder 4">
+            <a:extLst>
+              <a:ext uri="{FF2B5EF4-FFF2-40B4-BE49-F238E27FC236}">
+                <a16:creationId xmlns:a16="http://schemas.microsoft.com/office/drawing/2014/main" id="{42063D08-4779-8439-03EC-2BD7E7B94635}"/>
+              </a:ext>
+            </a:extLst>
+          </p:cNvPr>
+          <p:cNvPicPr>
+            <a:picLocks noGrp="1" noChangeAspect="1"/>
+          </p:cNvPicPr>
           <p:nvPr>
             <p:ph sz="quarter" idx="1"/>
           </p:nvPr>
-        </p:nvSpPr>
-        <p:spPr/>
-        <p:txBody>
-          <a:bodyPr/>
-          <a:lstStyle/>
-          <a:p>
-            <a:endParaRPr lang="en-US"/>
+        </p:nvPicPr>
+        <p:blipFill>
+          <a:blip r:embed="rId2"/>
+          <a:stretch>
+            <a:fillRect/>
+          </a:stretch>
+        </p:blipFill>
+        <p:spPr>
+          <a:xfrm>
+            <a:off x="831383" y="2299448"/>
+            <a:ext cx="3068264" cy="2111188"/>
+          </a:xfrm>
+        </p:spPr>
+      </p:pic>
+      <p:sp>
+        <p:nvSpPr>
+          <p:cNvPr id="6" name="TextBox 5">
+            <a:extLst>
+              <a:ext uri="{FF2B5EF4-FFF2-40B4-BE49-F238E27FC236}">
+                <a16:creationId xmlns:a16="http://schemas.microsoft.com/office/drawing/2014/main" id="{C76AEDF3-57AD-E548-7000-A7AF5A0A14D6}"/>
+              </a:ext>
+            </a:extLst>
+          </p:cNvPr>
+          <p:cNvSpPr txBox="1"/>
+          <p:nvPr/>
+        </p:nvSpPr>
+        <p:spPr>
+          <a:xfrm>
+            <a:off x="3899648" y="2299448"/>
+            <a:ext cx="5069540" cy="2246769"/>
+          </a:xfrm>
+          <a:prstGeom prst="rect">
+            <a:avLst/>
+          </a:prstGeom>
+          <a:noFill/>
+        </p:spPr>
+        <p:txBody>
+          <a:bodyPr wrap="square" rtlCol="0">
+            <a:spAutoFit/>
+          </a:bodyPr>
+          <a:lstStyle/>
+          <a:p>
+            <a:r>
+              <a:rPr lang="en-US" sz="2000" dirty="0"/>
+              <a:t>Having played a crucial role in the data collection</a:t>
+            </a:r>
+          </a:p>
+          <a:p>
+            <a:r>
+              <a:rPr lang="en-US" sz="2000" dirty="0"/>
+              <a:t>Phase, it contain a power engine for analytics, where </a:t>
+            </a:r>
+          </a:p>
+          <a:p>
+            <a:r>
+              <a:rPr lang="en-US" sz="2000" dirty="0"/>
+              <a:t>We utilized it to gain valuable insights on </a:t>
+            </a:r>
+            <a:r>
+              <a:rPr lang="en-US" sz="2000" dirty="0" err="1"/>
+              <a:t>patern</a:t>
+            </a:r>
+            <a:r>
+              <a:rPr lang="en-US" sz="2000" dirty="0"/>
+              <a:t> trends,</a:t>
+            </a:r>
+          </a:p>
+          <a:p>
+            <a:r>
+              <a:rPr lang="en-US" sz="2000" dirty="0"/>
+              <a:t>Priorities and user anxieties</a:t>
+            </a:r>
+            <a:r>
+              <a:rPr lang="en-US" dirty="0"/>
+              <a:t>.</a:t>
+            </a:r>
           </a:p>
         </p:txBody>
       </p:sp>
@@ -5901,6 +7171,210 @@
       </p:grpSpPr>
       <p:sp>
         <p:nvSpPr>
+          <p:cNvPr id="2" name="Title 1">
+            <a:extLst>
+              <a:ext uri="{FF2B5EF4-FFF2-40B4-BE49-F238E27FC236}">
+                <a16:creationId xmlns:a16="http://schemas.microsoft.com/office/drawing/2014/main" id="{97337969-1C62-DB0B-83A4-ADEB4E4A93CC}"/>
+              </a:ext>
+            </a:extLst>
+          </p:cNvPr>
+          <p:cNvSpPr>
+            <a:spLocks noGrp="1"/>
+          </p:cNvSpPr>
+          <p:nvPr>
+            <p:ph type="title"/>
+          </p:nvPr>
+        </p:nvSpPr>
+        <p:spPr/>
+        <p:txBody>
+          <a:bodyPr/>
+          <a:lstStyle/>
+          <a:p>
+            <a:r>
+              <a:rPr lang="en-US" dirty="0"/>
+              <a:t>  </a:t>
+            </a:r>
+          </a:p>
+        </p:txBody>
+      </p:sp>
+      <p:pic>
+        <p:nvPicPr>
+          <p:cNvPr id="5" name="Content Placeholder 4">
+            <a:extLst>
+              <a:ext uri="{FF2B5EF4-FFF2-40B4-BE49-F238E27FC236}">
+                <a16:creationId xmlns:a16="http://schemas.microsoft.com/office/drawing/2014/main" id="{68F63EFB-C31D-8F89-F7CB-47DAFB2C3ADD}"/>
+              </a:ext>
+            </a:extLst>
+          </p:cNvPr>
+          <p:cNvPicPr>
+            <a:picLocks noGrp="1" noChangeAspect="1"/>
+          </p:cNvPicPr>
+          <p:nvPr>
+            <p:ph sz="quarter" idx="1"/>
+          </p:nvPr>
+        </p:nvPicPr>
+        <p:blipFill>
+          <a:blip r:embed="rId2"/>
+          <a:stretch>
+            <a:fillRect/>
+          </a:stretch>
+        </p:blipFill>
+        <p:spPr>
+          <a:xfrm>
+            <a:off x="1480016" y="309282"/>
+            <a:ext cx="5915025" cy="2460065"/>
+          </a:xfrm>
+        </p:spPr>
+      </p:pic>
+      <p:pic>
+        <p:nvPicPr>
+          <p:cNvPr id="7" name="Picture 6">
+            <a:extLst>
+              <a:ext uri="{FF2B5EF4-FFF2-40B4-BE49-F238E27FC236}">
+                <a16:creationId xmlns:a16="http://schemas.microsoft.com/office/drawing/2014/main" id="{F97BD8CE-97FA-DC7B-3312-34833F356AFE}"/>
+              </a:ext>
+            </a:extLst>
+          </p:cNvPr>
+          <p:cNvPicPr>
+            <a:picLocks noChangeAspect="1"/>
+          </p:cNvPicPr>
+          <p:nvPr/>
+        </p:nvPicPr>
+        <p:blipFill>
+          <a:blip r:embed="rId3"/>
+          <a:stretch>
+            <a:fillRect/>
+          </a:stretch>
+        </p:blipFill>
+        <p:spPr>
+          <a:xfrm>
+            <a:off x="1560978" y="3093197"/>
+            <a:ext cx="5753100" cy="2952750"/>
+          </a:xfrm>
+          <a:prstGeom prst="rect">
+            <a:avLst/>
+          </a:prstGeom>
+        </p:spPr>
+      </p:pic>
+    </p:spTree>
+    <p:extLst>
+      <p:ext uri="{BB962C8B-B14F-4D97-AF65-F5344CB8AC3E}">
+        <p14:creationId xmlns:p14="http://schemas.microsoft.com/office/powerpoint/2010/main" val="529017041"/>
+      </p:ext>
+    </p:extLst>
+  </p:cSld>
+  <p:clrMapOvr>
+    <a:masterClrMapping/>
+  </p:clrMapOvr>
+</p:sld>
+</file>
+
+<file path=ppt/slides/slide7.xml><?xml version="1.0" encoding="utf-8"?>
+<p:sld xmlns:a="http://schemas.openxmlformats.org/drawingml/2006/main" xmlns:r="http://schemas.openxmlformats.org/officeDocument/2006/relationships" xmlns:p="http://schemas.openxmlformats.org/presentationml/2006/main">
+  <p:cSld>
+    <p:spTree>
+      <p:nvGrpSpPr>
+        <p:cNvPr id="1" name=""/>
+        <p:cNvGrpSpPr/>
+        <p:nvPr/>
+      </p:nvGrpSpPr>
+      <p:grpSpPr>
+        <a:xfrm>
+          <a:off x="0" y="0"/>
+          <a:ext cx="0" cy="0"/>
+          <a:chOff x="0" y="0"/>
+          <a:chExt cx="0" cy="0"/>
+        </a:xfrm>
+      </p:grpSpPr>
+      <p:sp>
+        <p:nvSpPr>
+          <p:cNvPr id="2" name="Title 1">
+            <a:extLst>
+              <a:ext uri="{FF2B5EF4-FFF2-40B4-BE49-F238E27FC236}">
+                <a16:creationId xmlns:a16="http://schemas.microsoft.com/office/drawing/2014/main" id="{F60EAC27-94D8-8C22-5CA3-0F2BAC72B43B}"/>
+              </a:ext>
+            </a:extLst>
+          </p:cNvPr>
+          <p:cNvSpPr>
+            <a:spLocks noGrp="1"/>
+          </p:cNvSpPr>
+          <p:nvPr>
+            <p:ph type="title"/>
+          </p:nvPr>
+        </p:nvSpPr>
+        <p:spPr/>
+        <p:txBody>
+          <a:bodyPr/>
+          <a:lstStyle/>
+          <a:p>
+            <a:r>
+              <a:rPr lang="en-US" dirty="0"/>
+              <a:t> </a:t>
+            </a:r>
+          </a:p>
+        </p:txBody>
+      </p:sp>
+      <p:pic>
+        <p:nvPicPr>
+          <p:cNvPr id="9" name="Content Placeholder 8">
+            <a:extLst>
+              <a:ext uri="{FF2B5EF4-FFF2-40B4-BE49-F238E27FC236}">
+                <a16:creationId xmlns:a16="http://schemas.microsoft.com/office/drawing/2014/main" id="{1B9E093E-5BD3-7A62-EF58-FF158EE21F9D}"/>
+              </a:ext>
+            </a:extLst>
+          </p:cNvPr>
+          <p:cNvPicPr>
+            <a:picLocks noGrp="1" noChangeAspect="1"/>
+          </p:cNvPicPr>
+          <p:nvPr>
+            <p:ph sz="quarter" idx="1"/>
+          </p:nvPr>
+        </p:nvPicPr>
+        <p:blipFill>
+          <a:blip r:embed="rId2"/>
+          <a:stretch>
+            <a:fillRect/>
+          </a:stretch>
+        </p:blipFill>
+        <p:spPr>
+          <a:xfrm>
+            <a:off x="860612" y="1734671"/>
+            <a:ext cx="7292788" cy="4168588"/>
+          </a:xfrm>
+        </p:spPr>
+      </p:pic>
+    </p:spTree>
+    <p:extLst>
+      <p:ext uri="{BB962C8B-B14F-4D97-AF65-F5344CB8AC3E}">
+        <p14:creationId xmlns:p14="http://schemas.microsoft.com/office/powerpoint/2010/main" val="672829692"/>
+      </p:ext>
+    </p:extLst>
+  </p:cSld>
+  <p:clrMapOvr>
+    <a:masterClrMapping/>
+  </p:clrMapOvr>
+</p:sld>
+</file>
+
+<file path=ppt/slides/slide8.xml><?xml version="1.0" encoding="utf-8"?>
+<p:sld xmlns:a="http://schemas.openxmlformats.org/drawingml/2006/main" xmlns:r="http://schemas.openxmlformats.org/officeDocument/2006/relationships" xmlns:p="http://schemas.openxmlformats.org/presentationml/2006/main">
+  <p:cSld>
+    <p:spTree>
+      <p:nvGrpSpPr>
+        <p:cNvPr id="1" name=""/>
+        <p:cNvGrpSpPr/>
+        <p:nvPr/>
+      </p:nvGrpSpPr>
+      <p:grpSpPr>
+        <a:xfrm>
+          <a:off x="0" y="0"/>
+          <a:ext cx="0" cy="0"/>
+          <a:chOff x="0" y="0"/>
+          <a:chExt cx="0" cy="0"/>
+        </a:xfrm>
+      </p:grpSpPr>
+      <p:sp>
+        <p:nvSpPr>
           <p:cNvPr id="2" name="Title 1"/>
           <p:cNvSpPr>
             <a:spLocks noGrp="1"/>
@@ -5999,18 +7473,13 @@
           <a:lstStyle/>
           <a:p>
             <a:r>
-              <a:rPr lang="en-US" dirty="0" smtClean="0">
+              <a:rPr lang="en-US" dirty="0">
                 <a:solidFill>
                   <a:schemeClr val="tx2"/>
                 </a:solidFill>
               </a:rPr>
               <a:t>Here, the project team brainstormed and used the SMART analysis approach to assess whether or not a requirement was to be considered in the development of the system.</a:t>
             </a:r>
-            <a:endParaRPr lang="en-US" dirty="0">
-              <a:solidFill>
-                <a:schemeClr val="tx2"/>
-              </a:solidFill>
-            </a:endParaRPr>
           </a:p>
         </p:txBody>
       </p:sp>
@@ -6018,512 +7487,6 @@
     <p:extLst>
       <p:ext uri="{BB962C8B-B14F-4D97-AF65-F5344CB8AC3E}">
         <p14:creationId xmlns:p14="http://schemas.microsoft.com/office/powerpoint/2010/main" val="767544743"/>
-      </p:ext>
-    </p:extLst>
-  </p:cSld>
-  <p:clrMapOvr>
-    <a:masterClrMapping/>
-  </p:clrMapOvr>
-</p:sld>
-</file>
-
-<file path=ppt/slides/slide7.xml><?xml version="1.0" encoding="utf-8"?>
-<p:sld xmlns:a="http://schemas.openxmlformats.org/drawingml/2006/main" xmlns:r="http://schemas.openxmlformats.org/officeDocument/2006/relationships" xmlns:p="http://schemas.openxmlformats.org/presentationml/2006/main">
-  <p:cSld>
-    <p:spTree>
-      <p:nvGrpSpPr>
-        <p:cNvPr id="1" name=""/>
-        <p:cNvGrpSpPr/>
-        <p:nvPr/>
-      </p:nvGrpSpPr>
-      <p:grpSpPr>
-        <a:xfrm>
-          <a:off x="0" y="0"/>
-          <a:ext cx="0" cy="0"/>
-          <a:chOff x="0" y="0"/>
-          <a:chExt cx="0" cy="0"/>
-        </a:xfrm>
-      </p:grpSpPr>
-      <p:sp>
-        <p:nvSpPr>
-          <p:cNvPr id="2" name="Title 1"/>
-          <p:cNvSpPr>
-            <a:spLocks noGrp="1"/>
-          </p:cNvSpPr>
-          <p:nvPr>
-            <p:ph type="title"/>
-          </p:nvPr>
-        </p:nvSpPr>
-        <p:spPr/>
-        <p:txBody>
-          <a:bodyPr>
-            <a:normAutofit/>
-          </a:bodyPr>
-          <a:lstStyle/>
-          <a:p>
-            <a:pPr lvl="0"/>
-            <a:r>
-              <a:rPr lang="en-US" dirty="0" smtClean="0"/>
-              <a:t>SMART ANALYSIS</a:t>
-            </a:r>
-            <a:endParaRPr lang="en-US" dirty="0"/>
-          </a:p>
-        </p:txBody>
-      </p:sp>
-      <p:sp>
-        <p:nvSpPr>
-          <p:cNvPr id="3" name="Content Placeholder 2"/>
-          <p:cNvSpPr>
-            <a:spLocks noGrp="1"/>
-          </p:cNvSpPr>
-          <p:nvPr>
-            <p:ph sz="quarter" idx="1"/>
-          </p:nvPr>
-        </p:nvSpPr>
-        <p:spPr>
-          <a:xfrm>
-            <a:off x="457200" y="1219200"/>
-            <a:ext cx="8248918" cy="4937760"/>
-          </a:xfrm>
-        </p:spPr>
-        <p:txBody>
-          <a:bodyPr>
-            <a:normAutofit/>
-          </a:bodyPr>
-          <a:lstStyle/>
-          <a:p>
-            <a:pPr marL="514350" indent="-514350">
-              <a:buFont typeface="+mj-lt"/>
-              <a:buAutoNum type="arabicPeriod"/>
-            </a:pPr>
-            <a:r>
-              <a:rPr lang="en-US" dirty="0" smtClean="0">
-                <a:solidFill>
-                  <a:schemeClr val="tx2"/>
-                </a:solidFill>
-              </a:rPr>
-              <a:t>Specific</a:t>
-            </a:r>
-            <a:r>
-              <a:rPr lang="en-US" dirty="0">
-                <a:solidFill>
-                  <a:schemeClr val="tx2"/>
-                </a:solidFill>
-              </a:rPr>
-              <a:t>: </a:t>
-            </a:r>
-            <a:r>
-              <a:rPr lang="en-US" dirty="0" smtClean="0">
-                <a:solidFill>
-                  <a:schemeClr val="tx2"/>
-                </a:solidFill>
-              </a:rPr>
-              <a:t>clear</a:t>
-            </a:r>
-            <a:r>
-              <a:rPr lang="en-US" dirty="0">
-                <a:solidFill>
-                  <a:schemeClr val="tx2"/>
-                </a:solidFill>
-              </a:rPr>
-              <a:t>, concise, and well-defined</a:t>
-            </a:r>
-          </a:p>
-          <a:p>
-            <a:pPr marL="514350" indent="-514350">
-              <a:buFont typeface="+mj-lt"/>
-              <a:buAutoNum type="arabicPeriod"/>
-            </a:pPr>
-            <a:r>
-              <a:rPr lang="en-US" dirty="0">
-                <a:solidFill>
-                  <a:schemeClr val="tx2"/>
-                </a:solidFill>
-              </a:rPr>
-              <a:t>Measurable: quantified or measured</a:t>
-            </a:r>
-          </a:p>
-          <a:p>
-            <a:pPr marL="514350" indent="-514350">
-              <a:buFont typeface="+mj-lt"/>
-              <a:buAutoNum type="arabicPeriod"/>
-            </a:pPr>
-            <a:r>
-              <a:rPr lang="en-US" dirty="0">
-                <a:solidFill>
-                  <a:schemeClr val="tx2"/>
-                </a:solidFill>
-              </a:rPr>
-              <a:t>Attainable: </a:t>
-            </a:r>
-            <a:r>
-              <a:rPr lang="en-US" dirty="0" smtClean="0">
-                <a:solidFill>
-                  <a:schemeClr val="tx2"/>
-                </a:solidFill>
-              </a:rPr>
-              <a:t>is feasible </a:t>
-            </a:r>
-            <a:r>
-              <a:rPr lang="en-US" dirty="0">
-                <a:solidFill>
-                  <a:schemeClr val="tx2"/>
-                </a:solidFill>
-              </a:rPr>
-              <a:t>within the project's constraints</a:t>
-            </a:r>
-          </a:p>
-          <a:p>
-            <a:pPr marL="514350" indent="-514350">
-              <a:buFont typeface="+mj-lt"/>
-              <a:buAutoNum type="arabicPeriod"/>
-            </a:pPr>
-            <a:r>
-              <a:rPr lang="en-US" dirty="0">
-                <a:solidFill>
-                  <a:schemeClr val="tx2"/>
-                </a:solidFill>
-              </a:rPr>
-              <a:t>Relevant: </a:t>
-            </a:r>
-            <a:r>
-              <a:rPr lang="en-US" dirty="0" smtClean="0">
-                <a:solidFill>
-                  <a:schemeClr val="tx2"/>
-                </a:solidFill>
-              </a:rPr>
-              <a:t>does it directly contribute </a:t>
-            </a:r>
-            <a:r>
-              <a:rPr lang="en-US" dirty="0">
-                <a:solidFill>
-                  <a:schemeClr val="tx2"/>
-                </a:solidFill>
-              </a:rPr>
-              <a:t>to project objectives</a:t>
-            </a:r>
-            <a:endParaRPr lang="en-US" dirty="0" smtClean="0">
-              <a:solidFill>
-                <a:schemeClr val="tx2"/>
-              </a:solidFill>
-            </a:endParaRPr>
-          </a:p>
-          <a:p>
-            <a:pPr marL="514350" indent="-514350">
-              <a:buFont typeface="+mj-lt"/>
-              <a:buAutoNum type="arabicPeriod"/>
-            </a:pPr>
-            <a:r>
-              <a:rPr lang="en-US" dirty="0">
-                <a:solidFill>
-                  <a:schemeClr val="tx2"/>
-                </a:solidFill>
-              </a:rPr>
-              <a:t>Time-Bound: </a:t>
-            </a:r>
-            <a:r>
-              <a:rPr lang="en-US" dirty="0" smtClean="0">
-                <a:solidFill>
-                  <a:schemeClr val="tx2"/>
-                </a:solidFill>
-              </a:rPr>
-              <a:t>has a set timeframe </a:t>
-            </a:r>
-            <a:r>
-              <a:rPr lang="en-US" dirty="0">
-                <a:solidFill>
-                  <a:schemeClr val="tx2"/>
-                </a:solidFill>
-              </a:rPr>
-              <a:t>for achieving the </a:t>
-            </a:r>
-            <a:r>
-              <a:rPr lang="en-US" dirty="0" smtClean="0">
-                <a:solidFill>
-                  <a:schemeClr val="tx2"/>
-                </a:solidFill>
-              </a:rPr>
-              <a:t>requirement.</a:t>
-            </a:r>
-          </a:p>
-        </p:txBody>
-      </p:sp>
-    </p:spTree>
-    <p:extLst>
-      <p:ext uri="{BB962C8B-B14F-4D97-AF65-F5344CB8AC3E}">
-        <p14:creationId xmlns:p14="http://schemas.microsoft.com/office/powerpoint/2010/main" val="294316613"/>
-      </p:ext>
-    </p:extLst>
-  </p:cSld>
-  <p:clrMapOvr>
-    <a:masterClrMapping/>
-  </p:clrMapOvr>
-</p:sld>
-</file>
-
-<file path=ppt/slides/slide8.xml><?xml version="1.0" encoding="utf-8"?>
-<p:sld xmlns:a="http://schemas.openxmlformats.org/drawingml/2006/main" xmlns:r="http://schemas.openxmlformats.org/officeDocument/2006/relationships" xmlns:p="http://schemas.openxmlformats.org/presentationml/2006/main">
-  <p:cSld>
-    <p:spTree>
-      <p:nvGrpSpPr>
-        <p:cNvPr id="1" name=""/>
-        <p:cNvGrpSpPr/>
-        <p:nvPr/>
-      </p:nvGrpSpPr>
-      <p:grpSpPr>
-        <a:xfrm>
-          <a:off x="0" y="0"/>
-          <a:ext cx="0" cy="0"/>
-          <a:chOff x="0" y="0"/>
-          <a:chExt cx="0" cy="0"/>
-        </a:xfrm>
-      </p:grpSpPr>
-      <p:sp>
-        <p:nvSpPr>
-          <p:cNvPr id="2" name="Title 1"/>
-          <p:cNvSpPr>
-            <a:spLocks noGrp="1"/>
-          </p:cNvSpPr>
-          <p:nvPr>
-            <p:ph type="title"/>
-          </p:nvPr>
-        </p:nvSpPr>
-        <p:spPr/>
-        <p:txBody>
-          <a:bodyPr>
-            <a:normAutofit/>
-          </a:bodyPr>
-          <a:lstStyle/>
-          <a:p>
-            <a:r>
-              <a:rPr lang="en-US" dirty="0" smtClean="0"/>
-              <a:t>Example of Performing SMART Analysis</a:t>
-            </a:r>
-            <a:endParaRPr lang="en-US" dirty="0"/>
-          </a:p>
-        </p:txBody>
-      </p:sp>
-      <p:sp>
-        <p:nvSpPr>
-          <p:cNvPr id="3" name="Content Placeholder 2"/>
-          <p:cNvSpPr>
-            <a:spLocks noGrp="1"/>
-          </p:cNvSpPr>
-          <p:nvPr>
-            <p:ph sz="quarter" idx="1"/>
-          </p:nvPr>
-        </p:nvSpPr>
-        <p:spPr/>
-        <p:txBody>
-          <a:bodyPr>
-            <a:normAutofit/>
-          </a:bodyPr>
-          <a:lstStyle/>
-          <a:p>
-            <a:pPr marL="0" lvl="0" indent="0">
-              <a:buNone/>
-            </a:pPr>
-            <a:endParaRPr lang="en-US" b="1" dirty="0" smtClean="0">
-              <a:solidFill>
-                <a:schemeClr val="tx2"/>
-              </a:solidFill>
-            </a:endParaRPr>
-          </a:p>
-          <a:p>
-            <a:pPr marL="0" lvl="0" indent="0">
-              <a:buNone/>
-            </a:pPr>
-            <a:r>
-              <a:rPr lang="en-US" b="1" dirty="0" smtClean="0">
-                <a:solidFill>
-                  <a:schemeClr val="tx2"/>
-                </a:solidFill>
-              </a:rPr>
-              <a:t>Request </a:t>
-            </a:r>
-            <a:r>
-              <a:rPr lang="en-US" b="1" dirty="0">
-                <a:solidFill>
-                  <a:schemeClr val="tx2"/>
-                </a:solidFill>
-              </a:rPr>
-              <a:t>Help</a:t>
-            </a:r>
-            <a:r>
-              <a:rPr lang="en-US" b="1" dirty="0" smtClean="0">
-                <a:solidFill>
-                  <a:schemeClr val="tx2"/>
-                </a:solidFill>
-              </a:rPr>
-              <a:t>:</a:t>
-            </a:r>
-            <a:endParaRPr lang="en-US" dirty="0">
-              <a:solidFill>
-                <a:schemeClr val="tx2"/>
-              </a:solidFill>
-            </a:endParaRPr>
-          </a:p>
-          <a:p>
-            <a:pPr marL="514350" indent="-514350">
-              <a:buFont typeface="+mj-lt"/>
-              <a:buAutoNum type="arabicPeriod"/>
-            </a:pPr>
-            <a:r>
-              <a:rPr lang="en-US" b="1" dirty="0">
-                <a:solidFill>
-                  <a:schemeClr val="tx2"/>
-                </a:solidFill>
-              </a:rPr>
-              <a:t>Specific</a:t>
-            </a:r>
-            <a:r>
-              <a:rPr lang="en-US" dirty="0">
-                <a:solidFill>
-                  <a:schemeClr val="tx2"/>
-                </a:solidFill>
-              </a:rPr>
-              <a:t>: </a:t>
-            </a:r>
-            <a:r>
-              <a:rPr lang="en-US" dirty="0" smtClean="0">
-                <a:solidFill>
-                  <a:schemeClr val="tx2"/>
-                </a:solidFill>
-              </a:rPr>
-              <a:t> Allow </a:t>
-            </a:r>
-            <a:r>
-              <a:rPr lang="en-US" dirty="0">
-                <a:solidFill>
-                  <a:schemeClr val="tx2"/>
-                </a:solidFill>
-              </a:rPr>
-              <a:t>users to request assistance.</a:t>
-            </a:r>
-          </a:p>
-          <a:p>
-            <a:pPr marL="514350" indent="-514350">
-              <a:buFont typeface="+mj-lt"/>
-              <a:buAutoNum type="arabicPeriod"/>
-            </a:pPr>
-            <a:r>
-              <a:rPr lang="en-US" b="1" dirty="0">
-                <a:solidFill>
-                  <a:schemeClr val="tx2"/>
-                </a:solidFill>
-              </a:rPr>
-              <a:t>Measurable</a:t>
-            </a:r>
-            <a:r>
-              <a:rPr lang="en-US" dirty="0">
-                <a:solidFill>
-                  <a:schemeClr val="tx2"/>
-                </a:solidFill>
-              </a:rPr>
-              <a:t>: Track help requests.</a:t>
-            </a:r>
-          </a:p>
-          <a:p>
-            <a:pPr marL="514350" indent="-514350">
-              <a:buFont typeface="+mj-lt"/>
-              <a:buAutoNum type="arabicPeriod"/>
-            </a:pPr>
-            <a:r>
-              <a:rPr lang="en-US" b="1" dirty="0">
-                <a:solidFill>
-                  <a:schemeClr val="tx2"/>
-                </a:solidFill>
-              </a:rPr>
-              <a:t>Achievable</a:t>
-            </a:r>
-            <a:r>
-              <a:rPr lang="en-US" dirty="0">
-                <a:solidFill>
-                  <a:schemeClr val="tx2"/>
-                </a:solidFill>
-              </a:rPr>
-              <a:t>: Implement a help button or chat feature.</a:t>
-            </a:r>
-          </a:p>
-          <a:p>
-            <a:pPr marL="514350" indent="-514350">
-              <a:buFont typeface="+mj-lt"/>
-              <a:buAutoNum type="arabicPeriod"/>
-            </a:pPr>
-            <a:r>
-              <a:rPr lang="en-US" b="1" dirty="0">
-                <a:solidFill>
-                  <a:schemeClr val="tx2"/>
-                </a:solidFill>
-              </a:rPr>
-              <a:t>Relevant</a:t>
-            </a:r>
-            <a:r>
-              <a:rPr lang="en-US" dirty="0">
-                <a:solidFill>
-                  <a:schemeClr val="tx2"/>
-                </a:solidFill>
-              </a:rPr>
-              <a:t>: Essential for user safety and resource allocation.</a:t>
-            </a:r>
-          </a:p>
-          <a:p>
-            <a:pPr marL="514350" indent="-514350">
-              <a:buFont typeface="+mj-lt"/>
-              <a:buAutoNum type="arabicPeriod"/>
-            </a:pPr>
-            <a:r>
-              <a:rPr lang="en-US" b="1" dirty="0">
-                <a:solidFill>
-                  <a:schemeClr val="tx2"/>
-                </a:solidFill>
-              </a:rPr>
-              <a:t>Time-Bound</a:t>
-            </a:r>
-            <a:r>
-              <a:rPr lang="en-US" dirty="0">
-                <a:solidFill>
-                  <a:schemeClr val="tx2"/>
-                </a:solidFill>
-              </a:rPr>
-              <a:t>: </a:t>
-            </a:r>
-            <a:r>
-              <a:rPr lang="en-US" dirty="0" smtClean="0">
-                <a:solidFill>
-                  <a:schemeClr val="tx2"/>
-                </a:solidFill>
-              </a:rPr>
-              <a:t> Available </a:t>
-            </a:r>
-            <a:r>
-              <a:rPr lang="en-US" dirty="0">
-                <a:solidFill>
-                  <a:schemeClr val="tx2"/>
-                </a:solidFill>
-              </a:rPr>
-              <a:t>in the </a:t>
-            </a:r>
-            <a:r>
-              <a:rPr lang="en-US" dirty="0" smtClean="0">
-                <a:solidFill>
-                  <a:schemeClr val="tx2"/>
-                </a:solidFill>
-              </a:rPr>
-              <a:t>before deployment.</a:t>
-            </a:r>
-            <a:endParaRPr lang="en-US" dirty="0">
-              <a:solidFill>
-                <a:schemeClr val="tx2"/>
-              </a:solidFill>
-            </a:endParaRPr>
-          </a:p>
-        </p:txBody>
-      </p:sp>
-    </p:spTree>
-    <p:extLst>
-      <p:ext uri="{BB962C8B-B14F-4D97-AF65-F5344CB8AC3E}">
-        <p14:creationId xmlns:p14="http://schemas.microsoft.com/office/powerpoint/2010/main" val="2364136573"/>
       </p:ext>
     </p:extLst>
   </p:cSld>
@@ -6569,18 +7532,9 @@
           <a:p>
             <a:pPr lvl="0"/>
             <a:r>
-              <a:rPr lang="en-US" dirty="0" smtClean="0">
-                <a:solidFill>
-                  <a:schemeClr val="tx1"/>
-                </a:solidFill>
-              </a:rPr>
-              <a:t>3. CATEGORIZING REQUIREMENTS</a:t>
-            </a:r>
-            <a:endParaRPr lang="en-US" dirty="0">
-              <a:solidFill>
-                <a:schemeClr val="tx1"/>
-              </a:solidFill>
-            </a:endParaRPr>
+              <a:rPr lang="en-US" dirty="0"/>
+              <a:t>SMART ANALYSIS</a:t>
+            </a:r>
           </a:p>
         </p:txBody>
       </p:sp>
@@ -6594,89 +7548,93 @@
             <p:ph sz="quarter" idx="1"/>
           </p:nvPr>
         </p:nvSpPr>
-        <p:spPr/>
-        <p:txBody>
-          <a:bodyPr/>
-          <a:lstStyle/>
-          <a:p>
-            <a:pPr marL="0" indent="0">
-              <a:buNone/>
+        <p:spPr>
+          <a:xfrm>
+            <a:off x="457200" y="1219200"/>
+            <a:ext cx="8248918" cy="4937760"/>
+          </a:xfrm>
+        </p:spPr>
+        <p:txBody>
+          <a:bodyPr>
+            <a:normAutofit/>
+          </a:bodyPr>
+          <a:lstStyle/>
+          <a:p>
+            <a:pPr marL="514350" indent="-514350">
+              <a:buFont typeface="+mj-lt"/>
+              <a:buAutoNum type="arabicPeriod"/>
             </a:pPr>
             <a:r>
-              <a:rPr lang="en-US" sz="2400" dirty="0" smtClean="0">
+              <a:rPr lang="en-US" dirty="0">
                 <a:solidFill>
                   <a:schemeClr val="tx2"/>
                 </a:solidFill>
               </a:rPr>
-              <a:t>After gathering our various requirements, we classified them into functional and non-functional requirements.</a:t>
-            </a:r>
-            <a:r>
-              <a:rPr lang="en-US" dirty="0" smtClean="0"/>
-              <a:t/>
-            </a:r>
-            <a:br>
-              <a:rPr lang="en-US" dirty="0" smtClean="0"/>
-            </a:br>
-            <a:endParaRPr lang="en-US" dirty="0"/>
-          </a:p>
-        </p:txBody>
-      </p:sp>
-      <p:pic>
-        <p:nvPicPr>
-          <p:cNvPr id="1026" name="Picture 2"/>
-          <p:cNvPicPr>
-            <a:picLocks noChangeAspect="1" noChangeArrowheads="1"/>
-          </p:cNvPicPr>
-          <p:nvPr/>
-        </p:nvPicPr>
-        <p:blipFill rotWithShape="1">
-          <a:blip r:embed="rId2">
-            <a:extLst>
-              <a:ext uri="{28A0092B-C50C-407E-A947-70E740481C1C}">
-                <a14:useLocalDpi xmlns:a14="http://schemas.microsoft.com/office/drawing/2010/main" val="0"/>
-              </a:ext>
-            </a:extLst>
-          </a:blip>
-          <a:srcRect t="2522" r="887" b="1468"/>
-          <a:stretch/>
-        </p:blipFill>
-        <p:spPr bwMode="auto">
-          <a:xfrm>
-            <a:off x="861647" y="2400301"/>
-            <a:ext cx="7337473" cy="3680460"/>
-          </a:xfrm>
-          <a:prstGeom prst="rect">
-            <a:avLst/>
-          </a:prstGeom>
-          <a:noFill/>
-          <a:ln>
-            <a:noFill/>
-          </a:ln>
-          <a:extLst>
-            <a:ext uri="{909E8E84-426E-40DD-AFC4-6F175D3DCCD1}">
-              <a14:hiddenFill xmlns:a14="http://schemas.microsoft.com/office/drawing/2010/main">
+              <a:t>Specific: clear, concise, and well-defined</a:t>
+            </a:r>
+          </a:p>
+          <a:p>
+            <a:pPr marL="514350" indent="-514350">
+              <a:buFont typeface="+mj-lt"/>
+              <a:buAutoNum type="arabicPeriod"/>
+            </a:pPr>
+            <a:r>
+              <a:rPr lang="en-US" dirty="0">
                 <a:solidFill>
-                  <a:schemeClr val="accent1"/>
+                  <a:schemeClr val="tx2"/>
                 </a:solidFill>
-              </a14:hiddenFill>
-            </a:ext>
-            <a:ext uri="{91240B29-F687-4F45-9708-019B960494DF}">
-              <a14:hiddenLine xmlns:a14="http://schemas.microsoft.com/office/drawing/2010/main" w="9525">
+              </a:rPr>
+              <a:t>Measurable: quantified or measured</a:t>
+            </a:r>
+          </a:p>
+          <a:p>
+            <a:pPr marL="514350" indent="-514350">
+              <a:buFont typeface="+mj-lt"/>
+              <a:buAutoNum type="arabicPeriod"/>
+            </a:pPr>
+            <a:r>
+              <a:rPr lang="en-US" dirty="0">
                 <a:solidFill>
-                  <a:schemeClr val="tx1"/>
+                  <a:schemeClr val="tx2"/>
                 </a:solidFill>
-                <a:miter lim="800000"/>
-                <a:headEnd/>
-                <a:tailEnd/>
-              </a14:hiddenLine>
-            </a:ext>
-          </a:extLst>
-        </p:spPr>
-      </p:pic>
+              </a:rPr>
+              <a:t>Attainable: is feasible within the project's constraints</a:t>
+            </a:r>
+          </a:p>
+          <a:p>
+            <a:pPr marL="514350" indent="-514350">
+              <a:buFont typeface="+mj-lt"/>
+              <a:buAutoNum type="arabicPeriod"/>
+            </a:pPr>
+            <a:r>
+              <a:rPr lang="en-US" dirty="0">
+                <a:solidFill>
+                  <a:schemeClr val="tx2"/>
+                </a:solidFill>
+              </a:rPr>
+              <a:t>Relevant: does it directly contribute to project objectives</a:t>
+            </a:r>
+          </a:p>
+          <a:p>
+            <a:pPr marL="514350" indent="-514350">
+              <a:buFont typeface="+mj-lt"/>
+              <a:buAutoNum type="arabicPeriod"/>
+            </a:pPr>
+            <a:r>
+              <a:rPr lang="en-US" dirty="0">
+                <a:solidFill>
+                  <a:schemeClr val="tx2"/>
+                </a:solidFill>
+              </a:rPr>
+              <a:t>Time-Bound: has a set timeframe for achieving the requirement.</a:t>
+            </a:r>
+          </a:p>
+        </p:txBody>
+      </p:sp>
     </p:spTree>
     <p:extLst>
       <p:ext uri="{BB962C8B-B14F-4D97-AF65-F5344CB8AC3E}">
-        <p14:creationId xmlns:p14="http://schemas.microsoft.com/office/powerpoint/2010/main" val="3815770259"/>
+        <p14:creationId xmlns:p14="http://schemas.microsoft.com/office/powerpoint/2010/main" val="294316613"/>
       </p:ext>
     </p:extLst>
   </p:cSld>
